--- a/Adopting Angular2 as an accelerator for new UI development  an LDNG journey - Suri.pptx
+++ b/Adopting Angular2 as an accelerator for new UI development  an LDNG journey - Suri.pptx
@@ -123,7 +123,7 @@
   </p:defaultTextStyle>
   <p:extLst>
     <p:ext uri="{EFAFB233-063F-42B5-8137-9DF3F51BA10A}">
-      <p15:sldGuideLst xmlns:p15="http://schemas.microsoft.com/office/powerpoint/2012/main">
+      <p15:sldGuideLst xmlns:p15="http://schemas.microsoft.com/office/powerpoint/2012/main" xmlns="">
         <p15:guide id="1" orient="horz" pos="2160">
           <p15:clr>
             <a:srgbClr val="A4A3A4"/>
@@ -137,7 +137,7 @@
       </p15:sldGuideLst>
     </p:ext>
     <p:ext uri="{2D200454-40CA-4A62-9FC3-DE9A4176ACB9}">
-      <p15:notesGuideLst xmlns:p15="http://schemas.microsoft.com/office/powerpoint/2012/main">
+      <p15:notesGuideLst xmlns:p15="http://schemas.microsoft.com/office/powerpoint/2012/main" xmlns="">
         <p15:guide id="1" orient="horz" pos="2880">
           <p15:clr>
             <a:srgbClr val="A4A3A4"/>
@@ -169,6 +169,7 @@
   </mc:AlternateContent>
   <c:chart>
     <c:title>
+      <c:layout/>
       <c:overlay val="0"/>
       <c:spPr>
         <a:noFill/>
@@ -359,11 +360,11 @@
         </c:dLbls>
         <c:gapWidth val="100"/>
         <c:overlap val="-24"/>
-        <c:axId val="307496456"/>
-        <c:axId val="307497632"/>
+        <c:axId val="2038304648"/>
+        <c:axId val="2038308136"/>
       </c:barChart>
       <c:catAx>
-        <c:axId val="307496456"/>
+        <c:axId val="2038304648"/>
         <c:scaling>
           <c:orientation val="minMax"/>
         </c:scaling>
@@ -405,7 +406,7 @@
             <a:endParaRPr lang="en-US"/>
           </a:p>
         </c:txPr>
-        <c:crossAx val="307497632"/>
+        <c:crossAx val="2038308136"/>
         <c:crosses val="autoZero"/>
         <c:auto val="1"/>
         <c:lblAlgn val="ctr"/>
@@ -413,10 +414,10 @@
         <c:noMultiLvlLbl val="0"/>
       </c:catAx>
       <c:valAx>
-        <c:axId val="307497632"/>
+        <c:axId val="2038308136"/>
         <c:scaling>
           <c:orientation val="minMax"/>
-          <c:min val="0"/>
+          <c:min val="0.0"/>
         </c:scaling>
         <c:delete val="0"/>
         <c:axPos val="l"/>
@@ -464,7 +465,7 @@
             <a:endParaRPr lang="en-US"/>
           </a:p>
         </c:txPr>
-        <c:crossAx val="307496456"/>
+        <c:crossAx val="2038304648"/>
         <c:crosses val="autoZero"/>
         <c:crossBetween val="between"/>
       </c:valAx>
@@ -516,7 +517,7 @@
       <a:endParaRPr lang="en-US"/>
     </a:p>
   </c:txPr>
-  <c:externalData r:id="rId3">
+  <c:externalData r:id="rId1">
     <c:autoUpdate val="0"/>
   </c:externalData>
 </c:chartSpace>
@@ -1372,6 +1373,71 @@
 </p:notes>
 </file>
 
+<file path=ppt/notesSlides/notesSlide10.xml><?xml version="1.0" encoding="utf-8"?>
+<p:notes xmlns:a="http://schemas.openxmlformats.org/drawingml/2006/main" xmlns:r="http://schemas.openxmlformats.org/officeDocument/2006/relationships" xmlns:p="http://schemas.openxmlformats.org/presentationml/2006/main">
+  <p:cSld>
+    <p:spTree>
+      <p:nvGrpSpPr>
+        <p:cNvPr id="1" name=""/>
+        <p:cNvGrpSpPr/>
+        <p:nvPr/>
+      </p:nvGrpSpPr>
+      <p:grpSpPr>
+        <a:xfrm>
+          <a:off x="0" y="0"/>
+          <a:ext cx="0" cy="0"/>
+          <a:chOff x="0" y="0"/>
+          <a:chExt cx="0" cy="0"/>
+        </a:xfrm>
+      </p:grpSpPr>
+      <p:sp>
+        <p:nvSpPr>
+          <p:cNvPr id="2" name="Slide Image Placeholder 1"/>
+          <p:cNvSpPr>
+            <a:spLocks noGrp="1" noRot="1" noChangeAspect="1"/>
+          </p:cNvSpPr>
+          <p:nvPr>
+            <p:ph type="sldImg"/>
+          </p:nvPr>
+        </p:nvSpPr>
+        <p:spPr/>
+      </p:sp>
+      <p:sp>
+        <p:nvSpPr>
+          <p:cNvPr id="3" name="Notes Placeholder 2"/>
+          <p:cNvSpPr>
+            <a:spLocks noGrp="1"/>
+          </p:cNvSpPr>
+          <p:nvPr>
+            <p:ph type="body" idx="1"/>
+          </p:nvPr>
+        </p:nvSpPr>
+        <p:spPr/>
+        <p:txBody>
+          <a:bodyPr/>
+          <a:lstStyle/>
+          <a:p>
+            <a:r>
+              <a:rPr lang="en-US" dirty="0" smtClean="0"/>
+              <a:t>- What should we show?</a:t>
+            </a:r>
+            <a:endParaRPr lang="en-US" dirty="0"/>
+          </a:p>
+        </p:txBody>
+      </p:sp>
+    </p:spTree>
+    <p:extLst>
+      <p:ext uri="{BB962C8B-B14F-4D97-AF65-F5344CB8AC3E}">
+        <p14:creationId xmlns:p14="http://schemas.microsoft.com/office/powerpoint/2010/main" val="905506424"/>
+      </p:ext>
+    </p:extLst>
+  </p:cSld>
+  <p:clrMapOvr>
+    <a:masterClrMapping/>
+  </p:clrMapOvr>
+</p:notes>
+</file>
+
 <file path=ppt/notesSlides/notesSlide2.xml><?xml version="1.0" encoding="utf-8"?>
 <p:notes xmlns:a="http://schemas.openxmlformats.org/drawingml/2006/main" xmlns:r="http://schemas.openxmlformats.org/officeDocument/2006/relationships" xmlns:p="http://schemas.openxmlformats.org/presentationml/2006/main">
   <p:cSld>
@@ -1479,33 +1545,88 @@
           <a:p>
             <a:r>
               <a:rPr lang="en-US" dirty="0" smtClean="0"/>
-              <a:t>Relative measure – 43K</a:t>
+              <a:t>When we say LDNG application, we are really</a:t>
+            </a:r>
+            <a:r>
+              <a:rPr lang="en-US" baseline="0" dirty="0" smtClean="0"/>
+              <a:t> taking about the UI application. There is no B2B or API. Lenders use app to import loans, clear their edits and submit them.</a:t>
+            </a:r>
+          </a:p>
+          <a:p>
+            <a:pPr marL="0" marR="0" indent="0" algn="l" defTabSz="914400" rtl="0" eaLnBrk="1" fontAlgn="auto" latinLnBrk="0" hangingPunct="1">
+              <a:lnSpc>
+                <a:spcPct val="100000"/>
+              </a:lnSpc>
+              <a:spcBef>
+                <a:spcPts val="0"/>
+              </a:spcBef>
+              <a:spcAft>
+                <a:spcPts val="0"/>
+              </a:spcAft>
+              <a:buClrTx/>
+              <a:buSzTx/>
+              <a:buFontTx/>
+              <a:buNone/>
+              <a:tabLst/>
+              <a:defRPr/>
+            </a:pPr>
+            <a:r>
+              <a:rPr lang="en-US" dirty="0" smtClean="0"/>
+              <a:t>Talk about 1150 users using Data entry. UI app. Edit processing.</a:t>
+            </a:r>
+            <a:r>
+              <a:rPr lang="en-US" baseline="0" dirty="0" smtClean="0"/>
+              <a:t> Small and large volumes.</a:t>
+            </a:r>
+          </a:p>
+          <a:p>
+            <a:pPr marL="0" marR="0" indent="0" algn="l" defTabSz="914400" rtl="0" eaLnBrk="1" fontAlgn="auto" latinLnBrk="0" hangingPunct="1">
+              <a:lnSpc>
+                <a:spcPct val="100000"/>
+              </a:lnSpc>
+              <a:spcBef>
+                <a:spcPts val="0"/>
+              </a:spcBef>
+              <a:spcAft>
+                <a:spcPts val="0"/>
+              </a:spcAft>
+              <a:buClrTx/>
+              <a:buSzTx/>
+              <a:buFontTx/>
+              <a:buNone/>
+              <a:tabLst/>
+              <a:defRPr/>
+            </a:pPr>
+            <a:r>
+              <a:rPr lang="en-US" baseline="0" dirty="0" smtClean="0"/>
+              <a:t>Quicken </a:t>
+            </a:r>
+            <a:r>
+              <a:rPr lang="en-US" baseline="0" dirty="0" err="1" smtClean="0"/>
+              <a:t>vs</a:t>
+            </a:r>
+            <a:r>
+              <a:rPr lang="en-US" baseline="0" dirty="0" smtClean="0"/>
+              <a:t> mom and pop (credit unions).</a:t>
+            </a:r>
+          </a:p>
+          <a:p>
+            <a:endParaRPr lang="en-US" dirty="0" smtClean="0"/>
+          </a:p>
+          <a:p>
+            <a:r>
+              <a:rPr lang="en-US" dirty="0" smtClean="0"/>
+              <a:t>Relative </a:t>
+            </a:r>
+            <a:r>
+              <a:rPr lang="en-US" dirty="0" smtClean="0"/>
+              <a:t>measure – 43K</a:t>
             </a:r>
             <a:r>
               <a:rPr lang="en-US" baseline="0" dirty="0" smtClean="0"/>
               <a:t> of UI backend code</a:t>
             </a:r>
             <a:endParaRPr lang="en-US" dirty="0" smtClean="0"/>
-          </a:p>
-          <a:p>
-            <a:r>
-              <a:rPr lang="en-US" dirty="0" smtClean="0"/>
-              <a:t>Talk </a:t>
-            </a:r>
-            <a:r>
-              <a:rPr lang="en-US" dirty="0" smtClean="0"/>
-              <a:t>about 1150 users using Data entry. UI app. Edit processing.</a:t>
-            </a:r>
-            <a:r>
-              <a:rPr lang="en-US" baseline="0" dirty="0" smtClean="0"/>
-              <a:t> Small and large volumes.</a:t>
-            </a:r>
-          </a:p>
-          <a:p>
-            <a:r>
-              <a:rPr lang="en-US" baseline="0" dirty="0" smtClean="0"/>
-              <a:t>Quicken vs mom and pop (credit unions).</a:t>
-            </a:r>
           </a:p>
           <a:p>
             <a:endParaRPr lang="en-US" dirty="0"/>
@@ -1569,50 +1690,6 @@
           <a:bodyPr/>
           <a:lstStyle/>
           <a:p>
-            <a:pPr marL="742950" lvl="1" indent="-285750">
-              <a:buFont typeface="Arial" panose="020B0604020202020204" pitchFamily="34" charset="0"/>
-              <a:buChar char="•"/>
-            </a:pPr>
-            <a:r>
-              <a:rPr lang="en-US" b="1" dirty="0" smtClean="0">
-                <a:solidFill>
-                  <a:srgbClr val="FFFF00"/>
-                </a:solidFill>
-              </a:rPr>
-              <a:t>Action Item – provide links to YouTube videos, </a:t>
-            </a:r>
-            <a:r>
-              <a:rPr lang="en-US" b="1" dirty="0" err="1" smtClean="0">
-                <a:solidFill>
-                  <a:srgbClr val="FFFF00"/>
-                </a:solidFill>
-              </a:rPr>
-              <a:t>Udemy</a:t>
-            </a:r>
-            <a:r>
-              <a:rPr lang="en-US" b="1" dirty="0" smtClean="0">
-                <a:solidFill>
-                  <a:srgbClr val="FFFF00"/>
-                </a:solidFill>
-              </a:rPr>
-              <a:t> course(s), and Safari book(s) if available</a:t>
-            </a:r>
-          </a:p>
-          <a:p>
-            <a:pPr marL="742950" lvl="1" indent="-285750">
-              <a:buFont typeface="Arial" panose="020B0604020202020204" pitchFamily="34" charset="0"/>
-              <a:buChar char="•"/>
-            </a:pPr>
-            <a:r>
-              <a:rPr lang="en-US" b="1" dirty="0" smtClean="0">
-                <a:solidFill>
-                  <a:srgbClr val="FFFF00"/>
-                </a:solidFill>
-              </a:rPr>
-              <a:t>Recommend that we go over this content as how we made a decision, not on what Angular2 does</a:t>
-            </a:r>
-          </a:p>
-          <a:p>
             <a:endParaRPr lang="en-US" dirty="0"/>
           </a:p>
         </p:txBody>
@@ -1620,7 +1697,7 @@
     </p:spTree>
     <p:extLst>
       <p:ext uri="{BB962C8B-B14F-4D97-AF65-F5344CB8AC3E}">
-        <p14:creationId xmlns:p14="http://schemas.microsoft.com/office/powerpoint/2010/main" val="2532350141"/>
+        <p14:creationId xmlns:p14="http://schemas.microsoft.com/office/powerpoint/2010/main" val="1835142648"/>
       </p:ext>
     </p:extLst>
   </p:cSld>
@@ -1674,6 +1751,50 @@
           <a:bodyPr/>
           <a:lstStyle/>
           <a:p>
+            <a:pPr marL="742950" lvl="1" indent="-285750">
+              <a:buFont typeface="Arial" panose="020B0604020202020204" pitchFamily="34" charset="0"/>
+              <a:buChar char="•"/>
+            </a:pPr>
+            <a:r>
+              <a:rPr lang="en-US" b="1" dirty="0" smtClean="0">
+                <a:solidFill>
+                  <a:srgbClr val="FFFF00"/>
+                </a:solidFill>
+              </a:rPr>
+              <a:t>Action Item – provide links to YouTube videos, </a:t>
+            </a:r>
+            <a:r>
+              <a:rPr lang="en-US" b="1" dirty="0" err="1" smtClean="0">
+                <a:solidFill>
+                  <a:srgbClr val="FFFF00"/>
+                </a:solidFill>
+              </a:rPr>
+              <a:t>Udemy</a:t>
+            </a:r>
+            <a:r>
+              <a:rPr lang="en-US" b="1" dirty="0" smtClean="0">
+                <a:solidFill>
+                  <a:srgbClr val="FFFF00"/>
+                </a:solidFill>
+              </a:rPr>
+              <a:t> course(s), and Safari book(s) if available</a:t>
+            </a:r>
+          </a:p>
+          <a:p>
+            <a:pPr marL="742950" lvl="1" indent="-285750">
+              <a:buFont typeface="Arial" panose="020B0604020202020204" pitchFamily="34" charset="0"/>
+              <a:buChar char="•"/>
+            </a:pPr>
+            <a:r>
+              <a:rPr lang="en-US" b="1" dirty="0" smtClean="0">
+                <a:solidFill>
+                  <a:srgbClr val="FFFF00"/>
+                </a:solidFill>
+              </a:rPr>
+              <a:t>Recommend that we go over this content as how we made a decision, not on what Angular2 does</a:t>
+            </a:r>
+          </a:p>
+          <a:p>
             <a:endParaRPr lang="en-US" dirty="0"/>
           </a:p>
         </p:txBody>
@@ -1681,7 +1802,7 @@
     </p:spTree>
     <p:extLst>
       <p:ext uri="{BB962C8B-B14F-4D97-AF65-F5344CB8AC3E}">
-        <p14:creationId xmlns:p14="http://schemas.microsoft.com/office/powerpoint/2010/main" val="2576220928"/>
+        <p14:creationId xmlns:p14="http://schemas.microsoft.com/office/powerpoint/2010/main" val="2532350141"/>
       </p:ext>
     </p:extLst>
   </p:cSld>
@@ -1735,14 +1856,6 @@
           <a:bodyPr/>
           <a:lstStyle/>
           <a:p>
-            <a:r>
-              <a:rPr lang="en-US" dirty="0" smtClean="0"/>
-              <a:t>- Add number of tests</a:t>
-            </a:r>
-            <a:r>
-              <a:rPr lang="en-US" baseline="0" dirty="0" smtClean="0"/>
-              <a:t> to graph</a:t>
-            </a:r>
             <a:endParaRPr lang="en-US" dirty="0"/>
           </a:p>
         </p:txBody>
@@ -1750,7 +1863,7 @@
     </p:spTree>
     <p:extLst>
       <p:ext uri="{BB962C8B-B14F-4D97-AF65-F5344CB8AC3E}">
-        <p14:creationId xmlns:p14="http://schemas.microsoft.com/office/powerpoint/2010/main" val="1039671984"/>
+        <p14:creationId xmlns:p14="http://schemas.microsoft.com/office/powerpoint/2010/main" val="2576220928"/>
       </p:ext>
     </p:extLst>
   </p:cSld>
@@ -1804,6 +1917,14 @@
           <a:bodyPr/>
           <a:lstStyle/>
           <a:p>
+            <a:r>
+              <a:rPr lang="en-US" dirty="0" smtClean="0"/>
+              <a:t>- Add number of tests</a:t>
+            </a:r>
+            <a:r>
+              <a:rPr lang="en-US" baseline="0" dirty="0" smtClean="0"/>
+              <a:t> to graph</a:t>
+            </a:r>
             <a:endParaRPr lang="en-US" dirty="0"/>
           </a:p>
         </p:txBody>
@@ -1811,7 +1932,7 @@
     </p:spTree>
     <p:extLst>
       <p:ext uri="{BB962C8B-B14F-4D97-AF65-F5344CB8AC3E}">
-        <p14:creationId xmlns:p14="http://schemas.microsoft.com/office/powerpoint/2010/main" val="905506424"/>
+        <p14:creationId xmlns:p14="http://schemas.microsoft.com/office/powerpoint/2010/main" val="1039671984"/>
       </p:ext>
     </p:extLst>
   </p:cSld>
@@ -1865,6 +1986,14 @@
           <a:bodyPr/>
           <a:lstStyle/>
           <a:p>
+            <a:r>
+              <a:rPr lang="en-US" dirty="0" smtClean="0"/>
+              <a:t>- Developers new to UI</a:t>
+            </a:r>
+            <a:r>
+              <a:rPr lang="en-US" baseline="0" dirty="0" smtClean="0"/>
+              <a:t> / JavaScript development and backend developers picked up Angular 2</a:t>
+            </a:r>
             <a:endParaRPr lang="en-US" dirty="0"/>
           </a:p>
         </p:txBody>
@@ -1926,10 +2055,6 @@
           <a:bodyPr/>
           <a:lstStyle/>
           <a:p>
-            <a:r>
-              <a:rPr lang="en-US" dirty="0" smtClean="0"/>
-              <a:t>- What should we show?</a:t>
-            </a:r>
             <a:endParaRPr lang="en-US" dirty="0"/>
           </a:p>
         </p:txBody>
@@ -2490,7 +2615,7 @@
                 <a:tabLst/>
                 <a:defRPr/>
               </a:pPr>
-              <a:t>4/17/2017</a:t>
+              <a:t>4/17/17</a:t>
             </a:fld>
             <a:endParaRPr lang="en-US" altLang="en-US" sz="900" dirty="0" smtClean="0">
               <a:solidFill>
@@ -2800,7 +2925,7 @@
                 <a:tabLst/>
                 <a:defRPr/>
               </a:pPr>
-              <a:t>4/17/2017</a:t>
+              <a:t>4/17/17</a:t>
             </a:fld>
             <a:endParaRPr lang="en-US" altLang="en-US" sz="900" dirty="0" smtClean="0">
               <a:solidFill>
@@ -3215,7 +3340,7 @@
                 <a:tabLst/>
                 <a:defRPr/>
               </a:pPr>
-              <a:t>4/17/2017</a:t>
+              <a:t>4/17/17</a:t>
             </a:fld>
             <a:endParaRPr lang="en-US" altLang="en-US" sz="900" dirty="0" smtClean="0">
               <a:solidFill>
@@ -3641,7 +3766,7 @@
                 <a:tabLst/>
                 <a:defRPr/>
               </a:pPr>
-              <a:t>4/17/2017</a:t>
+              <a:t>4/17/17</a:t>
             </a:fld>
             <a:endParaRPr lang="en-US" altLang="en-US" sz="900" dirty="0" smtClean="0">
               <a:solidFill>
@@ -3807,7 +3932,7 @@
                 <a:tabLst/>
                 <a:defRPr/>
               </a:pPr>
-              <a:t>4/17/2017</a:t>
+              <a:t>4/17/17</a:t>
             </a:fld>
             <a:endParaRPr lang="en-US" altLang="en-US" sz="900" dirty="0" smtClean="0">
               <a:solidFill>
@@ -4392,7 +4517,7 @@
   <p:timing>
     <p:tnLst>
       <p:par>
-        <p:cTn id="1" dur="indefinite" restart="never" nodeType="tmRoot"/>
+        <p:cTn xmlns:p14="http://schemas.microsoft.com/office/powerpoint/2010/main" id="1" dur="indefinite" restart="never" nodeType="tmRoot"/>
       </p:par>
     </p:tnLst>
   </p:timing>
@@ -4475,7 +4600,7 @@
   <p:timing>
     <p:tnLst>
       <p:par>
-        <p:cTn id="1" dur="indefinite" restart="never" nodeType="tmRoot"/>
+        <p:cTn xmlns:p14="http://schemas.microsoft.com/office/powerpoint/2010/main" id="1" dur="indefinite" restart="never" nodeType="tmRoot"/>
       </p:par>
     </p:tnLst>
   </p:timing>
@@ -4558,7 +4683,7 @@
   <p:timing>
     <p:tnLst>
       <p:par>
-        <p:cTn id="1" dur="indefinite" restart="never" nodeType="tmRoot"/>
+        <p:cTn xmlns:p14="http://schemas.microsoft.com/office/powerpoint/2010/main" id="1" dur="indefinite" restart="never" nodeType="tmRoot"/>
       </p:par>
     </p:tnLst>
   </p:timing>
@@ -4618,7 +4743,7 @@
   <p:timing>
     <p:tnLst>
       <p:par>
-        <p:cTn id="1" dur="indefinite" restart="never" nodeType="tmRoot"/>
+        <p:cTn xmlns:p14="http://schemas.microsoft.com/office/powerpoint/2010/main" id="1" dur="indefinite" restart="never" nodeType="tmRoot"/>
       </p:par>
     </p:tnLst>
   </p:timing>
@@ -4822,7 +4947,7 @@
   <p:timing>
     <p:tnLst>
       <p:par>
-        <p:cTn id="1" dur="indefinite" restart="never" nodeType="tmRoot"/>
+        <p:cTn xmlns:p14="http://schemas.microsoft.com/office/powerpoint/2010/main" id="1" dur="indefinite" restart="never" nodeType="tmRoot"/>
       </p:par>
     </p:tnLst>
   </p:timing>
@@ -4863,7 +4988,22 @@
           <a:p>
             <a:r>
               <a:rPr lang="en-US" dirty="0" smtClean="0"/>
-              <a:t>Single Page Application </a:t>
+              <a:t>LDNG UI is a JavaScript Single </a:t>
+            </a:r>
+            <a:r>
+              <a:rPr lang="en-US" dirty="0" smtClean="0"/>
+              <a:t>Page </a:t>
+            </a:r>
+            <a:r>
+              <a:rPr lang="en-US" dirty="0" smtClean="0"/>
+              <a:t>Application</a:t>
+            </a:r>
+            <a:br>
+              <a:rPr lang="en-US" dirty="0" smtClean="0"/>
+            </a:br>
+            <a:r>
+              <a:rPr lang="en-US" dirty="0" smtClean="0"/>
+              <a:t> </a:t>
             </a:r>
             <a:r>
               <a:rPr lang="en-US" dirty="0" smtClean="0">
@@ -4914,7 +5054,7 @@
           </a:prstGeom>
           <a:noFill/>
           <a:extLst>
-            <a:ext uri="{909E8E84-426E-40DD-AFC4-6F175D3DCCD1}">
+            <a:ext uri="{909E8E84-426E-40dd-AFC4-6F175D3DCCD1}">
               <a14:hiddenFill xmlns:a14="http://schemas.microsoft.com/office/drawing/2010/main">
                 <a:solidFill>
                   <a:srgbClr val="FFFFFF"/>
@@ -4937,7 +5077,7 @@
   <p:timing>
     <p:tnLst>
       <p:par>
-        <p:cTn id="1" dur="indefinite" restart="never" nodeType="tmRoot"/>
+        <p:cTn xmlns:p14="http://schemas.microsoft.com/office/powerpoint/2010/main" id="1" dur="indefinite" restart="never" nodeType="tmRoot"/>
       </p:par>
     </p:tnLst>
   </p:timing>
@@ -5004,16 +5144,8 @@
               <a:buChar char="•"/>
             </a:pPr>
             <a:r>
-              <a:rPr lang="en-US" i="1" dirty="0" smtClean="0"/>
-              <a:t>Single Page Application </a:t>
-            </a:r>
-            <a:r>
-              <a:rPr lang="en-US" dirty="0" smtClean="0"/>
-              <a:t>built with Backbone JS and Marionette </a:t>
-            </a:r>
-            <a:r>
-              <a:rPr lang="en-US" dirty="0" smtClean="0"/>
-              <a:t>JS</a:t>
+              <a:rPr lang="en-US" dirty="0" smtClean="0"/>
+              <a:t>LDNG Application</a:t>
             </a:r>
           </a:p>
           <a:p>
@@ -5023,7 +5155,11 @@
             </a:pPr>
             <a:r>
               <a:rPr lang="en-US" dirty="0" smtClean="0"/>
-              <a:t>UI is used by </a:t>
+              <a:t>UI </a:t>
+            </a:r>
+            <a:r>
+              <a:rPr lang="en-US" dirty="0" smtClean="0"/>
+              <a:t>is used by </a:t>
             </a:r>
             <a:r>
               <a:rPr lang="en-US" dirty="0" smtClean="0">
@@ -5057,9 +5193,24 @@
             </a:r>
             <a:r>
               <a:rPr lang="en-US" dirty="0" smtClean="0"/>
-              <a:t> lenders use the UI to add and deliver </a:t>
-            </a:r>
-            <a:endParaRPr lang="en-US" dirty="0" smtClean="0"/>
+              <a:t> lenders use the UI </a:t>
+            </a:r>
+            <a:r>
+              <a:rPr lang="en-US" dirty="0" smtClean="0"/>
+              <a:t>exclusively to </a:t>
+            </a:r>
+            <a:r>
+              <a:rPr lang="en-US" dirty="0" smtClean="0"/>
+              <a:t>add </a:t>
+            </a:r>
+            <a:r>
+              <a:rPr lang="en-US" dirty="0" smtClean="0"/>
+              <a:t>loans and </a:t>
+            </a:r>
+            <a:r>
+              <a:rPr lang="en-US" dirty="0" smtClean="0"/>
+              <a:t>deliver </a:t>
+            </a:r>
           </a:p>
           <a:p>
             <a:pPr marL="742950" lvl="1" indent="-285750">
@@ -5092,11 +5243,7 @@
             </a:pPr>
             <a:r>
               <a:rPr lang="en-US" dirty="0" smtClean="0"/>
-              <a:t>8 </a:t>
-            </a:r>
-            <a:r>
-              <a:rPr lang="en-US" dirty="0" smtClean="0"/>
-              <a:t>JavaScript developers worked on it from April 2014 through October 2015</a:t>
+              <a:t>8 JavaScript developers worked on it from April 2014 through October 2015</a:t>
             </a:r>
           </a:p>
           <a:p>
@@ -5112,8 +5259,12 @@
               <a:buChar char="•"/>
             </a:pPr>
             <a:r>
-              <a:rPr lang="en-US" dirty="0" smtClean="0"/>
-              <a:t>Backbone JS was selected as the UI “library” </a:t>
+              <a:rPr lang="en-US" i="1" dirty="0"/>
+              <a:t>Single Page Application </a:t>
+            </a:r>
+            <a:r>
+              <a:rPr lang="en-US" dirty="0"/>
+              <a:t>built with Backbone JS and Marionette JS</a:t>
             </a:r>
           </a:p>
           <a:p>
@@ -5123,7 +5274,11 @@
             </a:pPr>
             <a:r>
               <a:rPr lang="en-US" dirty="0" smtClean="0"/>
-              <a:t>It’s a library, not a framework</a:t>
+              <a:t>Backbone JS is </a:t>
+            </a:r>
+            <a:r>
+              <a:rPr lang="en-US" dirty="0" smtClean="0"/>
+              <a:t>a library, not a framework</a:t>
             </a:r>
           </a:p>
           <a:p>
@@ -5153,7 +5308,11 @@
             </a:pPr>
             <a:r>
               <a:rPr lang="en-US" dirty="0" smtClean="0"/>
-              <a:t>One-way binding only</a:t>
+              <a:t>No two way binding or declarative </a:t>
+            </a:r>
+            <a:r>
+              <a:rPr lang="en-US" dirty="0" smtClean="0"/>
+              <a:t>forms support</a:t>
             </a:r>
           </a:p>
           <a:p>
@@ -5163,17 +5322,11 @@
             </a:pPr>
             <a:r>
               <a:rPr lang="en-US" dirty="0" smtClean="0"/>
-              <a:t>No built-in declarative forms support</a:t>
-            </a:r>
-          </a:p>
-          <a:p>
-            <a:pPr marL="742950" lvl="1" indent="-285750">
-              <a:buFont typeface="Arial" panose="020B0604020202020204" pitchFamily="34" charset="0"/>
-              <a:buChar char="•"/>
-            </a:pPr>
-            <a:r>
-              <a:rPr lang="en-US" dirty="0" smtClean="0"/>
-              <a:t>App uses 15+ 3</a:t>
+              <a:t>App uses </a:t>
+            </a:r>
+            <a:r>
+              <a:rPr lang="en-US" dirty="0" smtClean="0"/>
+              <a:t>many other open-source 3</a:t>
             </a:r>
             <a:r>
               <a:rPr lang="en-US" baseline="30000" dirty="0" smtClean="0"/>
@@ -5181,8 +5334,17 @@
             </a:r>
             <a:r>
               <a:rPr lang="en-US" dirty="0" smtClean="0"/>
-              <a:t> party libraries </a:t>
-            </a:r>
+              <a:t> </a:t>
+            </a:r>
+            <a:r>
+              <a:rPr lang="en-US" dirty="0" smtClean="0"/>
+              <a:t>party libraries </a:t>
+            </a:r>
+            <a:r>
+              <a:rPr lang="en-US" dirty="0" smtClean="0"/>
+              <a:t> and tools</a:t>
+            </a:r>
+            <a:endParaRPr lang="en-US" dirty="0" smtClean="0"/>
           </a:p>
           <a:p>
             <a:pPr lvl="1" indent="0">
@@ -5239,7 +5401,7 @@
   <p:timing>
     <p:tnLst>
       <p:par>
-        <p:cTn id="1" dur="indefinite" restart="never" nodeType="tmRoot"/>
+        <p:cTn xmlns:p14="http://schemas.microsoft.com/office/powerpoint/2010/main" id="1" dur="indefinite" restart="never" nodeType="tmRoot"/>
       </p:par>
     </p:tnLst>
   </p:timing>
@@ -5446,7 +5608,7 @@
   <p:timing>
     <p:tnLst>
       <p:par>
-        <p:cTn id="1" dur="indefinite" restart="never" nodeType="tmRoot"/>
+        <p:cTn xmlns:p14="http://schemas.microsoft.com/office/powerpoint/2010/main" id="1" dur="indefinite" restart="never" nodeType="tmRoot"/>
       </p:par>
     </p:tnLst>
   </p:timing>
@@ -5649,14 +5811,14 @@
           <p:nvPr>
             <p:extLst>
               <p:ext uri="{D42A27DB-BD31-4B8C-83A1-F6EECF244321}">
-                <p14:modId xmlns:p14="http://schemas.microsoft.com/office/powerpoint/2010/main" val="662734247"/>
+                <p14:modId xmlns:p14="http://schemas.microsoft.com/office/powerpoint/2010/main" val="2203891300"/>
               </p:ext>
             </p:extLst>
           </p:nvPr>
         </p:nvGraphicFramePr>
         <p:xfrm>
           <a:off x="376090" y="1476402"/>
-          <a:ext cx="11381436" cy="5943600"/>
+          <a:ext cx="11485710" cy="5943598"/>
         </p:xfrm>
         <a:graphic>
           <a:graphicData uri="http://schemas.openxmlformats.org/drawingml/2006/table">
@@ -5665,11 +5827,11 @@
                 <a:tableStyleId>{073A0DAA-6AF3-43AB-8588-CEC1D06C72B9}</a:tableStyleId>
               </a:tblPr>
               <a:tblGrid>
-                <a:gridCol w="3793812"/>
-                <a:gridCol w="3793812"/>
-                <a:gridCol w="3793812"/>
+                <a:gridCol w="3828570"/>
+                <a:gridCol w="3828570"/>
+                <a:gridCol w="3828570"/>
               </a:tblGrid>
-              <a:tr h="271377">
+              <a:tr h="249928">
                 <a:tc>
                   <a:txBody>
                     <a:bodyPr/>
@@ -5713,7 +5875,7 @@
                   <a:tcPr/>
                 </a:tc>
               </a:tr>
-              <a:tr h="4903490">
+              <a:tr h="4623671">
                 <a:tc>
                   <a:txBody>
                     <a:bodyPr/>
@@ -5771,8 +5933,13 @@
                       </a:r>
                       <a:r>
                         <a:rPr lang="en-US" sz="1400" baseline="0" dirty="0" smtClean="0"/>
-                        <a:t> (but, beware)</a:t>
+                        <a:t> (but, </a:t>
                       </a:r>
+                      <a:r>
+                        <a:rPr lang="en-US" sz="1400" baseline="0" dirty="0" smtClean="0"/>
+                        <a:t>beware!)</a:t>
+                      </a:r>
+                      <a:endParaRPr lang="en-US" sz="1400" baseline="0" dirty="0" smtClean="0"/>
                     </a:p>
                     <a:p>
                       <a:pPr marL="285750" indent="-285750">
@@ -5930,7 +6097,11 @@
                       </a:r>
                       <a:r>
                         <a:rPr lang="en-US" sz="1400" baseline="0" dirty="0" smtClean="0"/>
-                        <a:t> strong types</a:t>
+                        <a:t> strong </a:t>
+                      </a:r>
+                      <a:r>
+                        <a:rPr lang="en-US" sz="1400" baseline="0" dirty="0" err="1" smtClean="0"/>
+                        <a:t>datatypes</a:t>
                       </a:r>
                       <a:r>
                         <a:rPr lang="en-US" sz="1400" dirty="0" smtClean="0"/>
@@ -5941,8 +6112,16 @@
                         <a:t> </a:t>
                       </a:r>
                       <a:r>
+                        <a:rPr lang="en-US" sz="1400" baseline="0" dirty="0" smtClean="0"/>
+                        <a:t>It’s e</a:t>
+                      </a:r>
+                      <a:r>
                         <a:rPr lang="en-US" sz="1400" dirty="0" smtClean="0"/>
-                        <a:t>Easier-to-learn</a:t>
+                        <a:t>asier</a:t>
+                      </a:r>
+                      <a:r>
+                        <a:rPr lang="en-US" sz="1400" dirty="0" smtClean="0"/>
+                        <a:t>-to-learn</a:t>
                       </a:r>
                       <a:r>
                         <a:rPr lang="en-US" sz="1400" baseline="0" dirty="0" smtClean="0"/>
@@ -5989,7 +6168,11 @@
                       </a:pPr>
                       <a:r>
                         <a:rPr lang="en-US" sz="1400" baseline="0" dirty="0" smtClean="0"/>
-                        <a:t>Typescript code is </a:t>
+                        <a:t>Future proof: Typescript </a:t>
+                      </a:r>
+                      <a:r>
+                        <a:rPr lang="en-US" sz="1400" baseline="0" dirty="0" smtClean="0"/>
+                        <a:t>code is </a:t>
                       </a:r>
                       <a:r>
                         <a:rPr lang="en-US" sz="1400" baseline="0" dirty="0" err="1" smtClean="0"/>
@@ -6218,19 +6401,11 @@
                       </a:r>
                       <a:r>
                         <a:rPr lang="en-US" sz="1400" baseline="0" dirty="0" smtClean="0"/>
-                        <a:t> updates every 6 months. </a:t>
+                        <a:t> updates every 6 months. Angular 4 was released on </a:t>
                       </a:r>
                       <a:r>
                         <a:rPr lang="en-US" sz="1400" baseline="0" dirty="0" smtClean="0"/>
-                        <a:t>Angular 4 </a:t>
-                      </a:r>
-                      <a:r>
-                        <a:rPr lang="en-US" sz="1400" baseline="0" dirty="0" smtClean="0"/>
-                        <a:t>was released on </a:t>
-                      </a:r>
-                      <a:r>
-                        <a:rPr lang="en-US" sz="1400" baseline="0" dirty="0" err="1" smtClean="0"/>
-                        <a:t>schedu</a:t>
+                        <a:t>schedule, last month.</a:t>
                       </a:r>
                       <a:endParaRPr lang="en-US" sz="1400" dirty="0" smtClean="0"/>
                     </a:p>
@@ -6329,7 +6504,7 @@
           <a:noFill/>
           <a:extLst>
             <a:ext uri="{909E8E84-426E-40dd-AFC4-6F175D3DCCD1}">
-              <a14:hiddenFill xmlns="" xmlns:a14="http://schemas.microsoft.com/office/drawing/2010/main">
+              <a14:hiddenFill xmlns:a14="http://schemas.microsoft.com/office/drawing/2010/main">
                 <a:solidFill>
                   <a:srgbClr val="FFFFFF"/>
                 </a:solidFill>
@@ -6375,7 +6550,7 @@
   <p:timing>
     <p:tnLst>
       <p:par>
-        <p:cTn id="1" dur="indefinite" restart="never" nodeType="tmRoot"/>
+        <p:cTn xmlns:p14="http://schemas.microsoft.com/office/powerpoint/2010/main" id="1" dur="indefinite" restart="never" nodeType="tmRoot"/>
       </p:par>
     </p:tnLst>
   </p:timing>
@@ -6468,7 +6643,15 @@
             </a:pPr>
             <a:r>
               <a:rPr lang="en-US" dirty="0" smtClean="0"/>
-              <a:t>Angular 2 was not GA, but was in the final RC stages. We assessed  when we would start</a:t>
+              <a:t>Angular 2 was not GA, but was in the final RC stages. We assessed </a:t>
+            </a:r>
+            <a:r>
+              <a:rPr lang="en-US" dirty="0" smtClean="0"/>
+              <a:t>when </a:t>
+            </a:r>
+            <a:r>
+              <a:rPr lang="en-US" dirty="0" smtClean="0"/>
+              <a:t>we would start</a:t>
             </a:r>
           </a:p>
           <a:p>
@@ -6486,15 +6669,11 @@
             </a:r>
             <a:r>
               <a:rPr lang="en-US" dirty="0" smtClean="0"/>
-              <a:t> </a:t>
-            </a:r>
-            <a:r>
-              <a:rPr lang="mr-IN" dirty="0" smtClean="0"/>
-              <a:t>–</a:t>
-            </a:r>
-            <a:r>
-              <a:rPr lang="en-US" dirty="0" smtClean="0"/>
-              <a:t> great Angular support</a:t>
+              <a:t>, which has great </a:t>
+            </a:r>
+            <a:r>
+              <a:rPr lang="en-US" dirty="0" smtClean="0"/>
+              <a:t>Angular support</a:t>
             </a:r>
             <a:endParaRPr lang="en-US" dirty="0"/>
           </a:p>
@@ -6737,7 +6916,7 @@
   <p:timing>
     <p:tnLst>
       <p:par>
-        <p:cTn id="1" dur="indefinite" restart="never" nodeType="tmRoot"/>
+        <p:cTn xmlns:p14="http://schemas.microsoft.com/office/powerpoint/2010/main" id="1" dur="indefinite" restart="never" nodeType="tmRoot"/>
       </p:par>
     </p:tnLst>
   </p:timing>
@@ -6835,7 +7014,7 @@
   <p:timing>
     <p:tnLst>
       <p:par>
-        <p:cTn id="1" dur="indefinite" restart="never" nodeType="tmRoot"/>
+        <p:cTn xmlns:p14="http://schemas.microsoft.com/office/powerpoint/2010/main" id="1" dur="indefinite" restart="never" nodeType="tmRoot"/>
       </p:par>
     </p:tnLst>
   </p:timing>
@@ -6925,7 +7104,7 @@
   <p:timing>
     <p:tnLst>
       <p:par>
-        <p:cTn id="1" dur="indefinite" restart="never" nodeType="tmRoot"/>
+        <p:cTn xmlns:p14="http://schemas.microsoft.com/office/powerpoint/2010/main" id="1" dur="indefinite" restart="never" nodeType="tmRoot"/>
       </p:par>
     </p:tnLst>
   </p:timing>
@@ -7127,7 +7306,7 @@
   <a:extraClrSchemeLst/>
   <a:extLst>
     <a:ext uri="{05A4C25C-085E-4340-85A3-A5531E510DB2}">
-      <thm15:themeFamily xmlns:thm15="http://schemas.microsoft.com/office/thememl/2012/main" name="Onscreen_widescreen_internal 080516.potx" id="{121A837F-13EB-4EEB-9CBF-68FF432138C7}" vid="{94EEF936-9075-4692-8DC5-567B13725D63}"/>
+      <thm15:themeFamily xmlns:thm15="http://schemas.microsoft.com/office/thememl/2012/main" xmlns="" name="Onscreen_widescreen_internal 080516.potx" id="{121A837F-13EB-4EEB-9CBF-68FF432138C7}" vid="{94EEF936-9075-4692-8DC5-567B13725D63}"/>
     </a:ext>
   </a:extLst>
 </a:theme>
@@ -7388,7 +7567,7 @@
   <a:extraClrSchemeLst/>
   <a:extLst>
     <a:ext uri="{05A4C25C-085E-4340-85A3-A5531E510DB2}">
-      <thm15:themeFamily xmlns:thm15="http://schemas.microsoft.com/office/thememl/2012/main" name="Office Theme" id="{62F939B6-93AF-4DB8-9C6B-D6C7DFDC589F}" vid="{4A3C46E8-61CC-4603-A589-7422A47A8E4A}"/>
+      <thm15:themeFamily xmlns:thm15="http://schemas.microsoft.com/office/thememl/2012/main" xmlns="" name="Office Theme" id="{62F939B6-93AF-4DB8-9C6B-D6C7DFDC589F}" vid="{4A3C46E8-61CC-4603-A589-7422A47A8E4A}"/>
     </a:ext>
   </a:extLst>
 </a:theme>
@@ -7649,7 +7828,7 @@
   <a:extraClrSchemeLst/>
   <a:extLst>
     <a:ext uri="{05A4C25C-085E-4340-85A3-A5531E510DB2}">
-      <thm15:themeFamily xmlns:thm15="http://schemas.microsoft.com/office/thememl/2012/main" name="Office Theme" id="{62F939B6-93AF-4DB8-9C6B-D6C7DFDC589F}" vid="{4A3C46E8-61CC-4603-A589-7422A47A8E4A}"/>
+      <thm15:themeFamily xmlns:thm15="http://schemas.microsoft.com/office/thememl/2012/main" xmlns="" name="Office Theme" id="{62F939B6-93AF-4DB8-9C6B-D6C7DFDC589F}" vid="{4A3C46E8-61CC-4603-A589-7422A47A8E4A}"/>
     </a:ext>
   </a:extLst>
 </a:theme>

--- a/Adopting Angular2 as an accelerator for new UI development  an LDNG journey - Suri.pptx
+++ b/Adopting Angular2 as an accelerator for new UI development  an LDNG journey - Suri.pptx
@@ -5,10 +5,10 @@
     <p:sldMasterId id="2147483648" r:id="rId1"/>
   </p:sldMasterIdLst>
   <p:notesMasterIdLst>
-    <p:notesMasterId r:id="rId14"/>
+    <p:notesMasterId r:id="rId15"/>
   </p:notesMasterIdLst>
   <p:handoutMasterIdLst>
-    <p:handoutMasterId r:id="rId15"/>
+    <p:handoutMasterId r:id="rId16"/>
   </p:handoutMasterIdLst>
   <p:sldIdLst>
     <p:sldId id="256" r:id="rId2"/>
@@ -23,6 +23,7 @@
     <p:sldId id="268" r:id="rId11"/>
     <p:sldId id="269" r:id="rId12"/>
     <p:sldId id="258" r:id="rId13"/>
+    <p:sldId id="271" r:id="rId14"/>
   </p:sldIdLst>
   <p:sldSz cx="12192000" cy="6858000"/>
   <p:notesSz cx="6858000" cy="9144000"/>
@@ -123,7 +124,7 @@
   </p:defaultTextStyle>
   <p:extLst>
     <p:ext uri="{EFAFB233-063F-42B5-8137-9DF3F51BA10A}">
-      <p15:sldGuideLst xmlns:p15="http://schemas.microsoft.com/office/powerpoint/2012/main" xmlns="">
+      <p15:sldGuideLst xmlns="" xmlns:p15="http://schemas.microsoft.com/office/powerpoint/2012/main">
         <p15:guide id="1" orient="horz" pos="2160">
           <p15:clr>
             <a:srgbClr val="A4A3A4"/>
@@ -137,7 +138,7 @@
       </p15:sldGuideLst>
     </p:ext>
     <p:ext uri="{2D200454-40CA-4A62-9FC3-DE9A4176ACB9}">
-      <p15:notesGuideLst xmlns:p15="http://schemas.microsoft.com/office/powerpoint/2012/main" xmlns="">
+      <p15:notesGuideLst xmlns="" xmlns:p15="http://schemas.microsoft.com/office/powerpoint/2012/main">
         <p15:guide id="1" orient="horz" pos="2880">
           <p15:clr>
             <a:srgbClr val="A4A3A4"/>
@@ -360,11 +361,11 @@
         </c:dLbls>
         <c:gapWidth val="100"/>
         <c:overlap val="-24"/>
-        <c:axId val="2038304648"/>
-        <c:axId val="2038308136"/>
+        <c:axId val="2142350584"/>
+        <c:axId val="2142354152"/>
       </c:barChart>
       <c:catAx>
-        <c:axId val="2038304648"/>
+        <c:axId val="2142350584"/>
         <c:scaling>
           <c:orientation val="minMax"/>
         </c:scaling>
@@ -406,7 +407,7 @@
             <a:endParaRPr lang="en-US"/>
           </a:p>
         </c:txPr>
-        <c:crossAx val="2038308136"/>
+        <c:crossAx val="2142354152"/>
         <c:crosses val="autoZero"/>
         <c:auto val="1"/>
         <c:lblAlgn val="ctr"/>
@@ -414,7 +415,7 @@
         <c:noMultiLvlLbl val="0"/>
       </c:catAx>
       <c:valAx>
-        <c:axId val="2038308136"/>
+        <c:axId val="2142354152"/>
         <c:scaling>
           <c:orientation val="minMax"/>
           <c:min val="0.0"/>
@@ -465,7 +466,7 @@
             <a:endParaRPr lang="en-US"/>
           </a:p>
         </c:txPr>
-        <c:crossAx val="2038304648"/>
+        <c:crossAx val="2142350584"/>
         <c:crosses val="autoZero"/>
         <c:crossBetween val="between"/>
       </c:valAx>
@@ -1616,11 +1617,7 @@
           <a:p>
             <a:r>
               <a:rPr lang="en-US" dirty="0" smtClean="0"/>
-              <a:t>Relative </a:t>
-            </a:r>
-            <a:r>
-              <a:rPr lang="en-US" dirty="0" smtClean="0"/>
-              <a:t>measure – 43K</a:t>
+              <a:t>Relative measure – 43K</a:t>
             </a:r>
             <a:r>
               <a:rPr lang="en-US" baseline="0" dirty="0" smtClean="0"/>
@@ -2615,7 +2612,7 @@
                 <a:tabLst/>
                 <a:defRPr/>
               </a:pPr>
-              <a:t>4/17/17</a:t>
+              <a:t>4/18/17</a:t>
             </a:fld>
             <a:endParaRPr lang="en-US" altLang="en-US" sz="900" dirty="0" smtClean="0">
               <a:solidFill>
@@ -2925,7 +2922,7 @@
                 <a:tabLst/>
                 <a:defRPr/>
               </a:pPr>
-              <a:t>4/17/17</a:t>
+              <a:t>4/18/17</a:t>
             </a:fld>
             <a:endParaRPr lang="en-US" altLang="en-US" sz="900" dirty="0" smtClean="0">
               <a:solidFill>
@@ -3340,7 +3337,7 @@
                 <a:tabLst/>
                 <a:defRPr/>
               </a:pPr>
-              <a:t>4/17/17</a:t>
+              <a:t>4/18/17</a:t>
             </a:fld>
             <a:endParaRPr lang="en-US" altLang="en-US" sz="900" dirty="0" smtClean="0">
               <a:solidFill>
@@ -3766,7 +3763,7 @@
                 <a:tabLst/>
                 <a:defRPr/>
               </a:pPr>
-              <a:t>4/17/17</a:t>
+              <a:t>4/18/17</a:t>
             </a:fld>
             <a:endParaRPr lang="en-US" altLang="en-US" sz="900" dirty="0" smtClean="0">
               <a:solidFill>
@@ -3932,7 +3929,7 @@
                 <a:tabLst/>
                 <a:defRPr/>
               </a:pPr>
-              <a:t>4/17/17</a:t>
+              <a:t>4/18/17</a:t>
             </a:fld>
             <a:endParaRPr lang="en-US" altLang="en-US" sz="900" dirty="0" smtClean="0">
               <a:solidFill>
@@ -4750,6 +4747,265 @@
 </p:sld>
 </file>
 
+<file path=ppt/slides/slide13.xml><?xml version="1.0" encoding="utf-8"?>
+<p:sld xmlns:a="http://schemas.openxmlformats.org/drawingml/2006/main" xmlns:r="http://schemas.openxmlformats.org/officeDocument/2006/relationships" xmlns:p="http://schemas.openxmlformats.org/presentationml/2006/main">
+  <p:cSld>
+    <p:spTree>
+      <p:nvGrpSpPr>
+        <p:cNvPr id="1" name=""/>
+        <p:cNvGrpSpPr/>
+        <p:nvPr/>
+      </p:nvGrpSpPr>
+      <p:grpSpPr>
+        <a:xfrm>
+          <a:off x="0" y="0"/>
+          <a:ext cx="0" cy="0"/>
+          <a:chOff x="0" y="0"/>
+          <a:chExt cx="0" cy="0"/>
+        </a:xfrm>
+      </p:grpSpPr>
+      <p:sp>
+        <p:nvSpPr>
+          <p:cNvPr id="2" name="Title 1"/>
+          <p:cNvSpPr>
+            <a:spLocks noGrp="1"/>
+          </p:cNvSpPr>
+          <p:nvPr>
+            <p:ph type="title"/>
+          </p:nvPr>
+        </p:nvSpPr>
+        <p:spPr/>
+        <p:txBody>
+          <a:bodyPr/>
+          <a:lstStyle/>
+          <a:p>
+            <a:r>
+              <a:rPr lang="en-US" dirty="0" smtClean="0"/>
+              <a:t>Resources</a:t>
+            </a:r>
+            <a:endParaRPr lang="en-US" dirty="0"/>
+          </a:p>
+        </p:txBody>
+      </p:sp>
+      <p:sp>
+        <p:nvSpPr>
+          <p:cNvPr id="3" name="Content Placeholder 2"/>
+          <p:cNvSpPr>
+            <a:spLocks noGrp="1"/>
+          </p:cNvSpPr>
+          <p:nvPr>
+            <p:ph idx="1"/>
+          </p:nvPr>
+        </p:nvSpPr>
+        <p:spPr/>
+        <p:txBody>
+          <a:bodyPr/>
+          <a:lstStyle/>
+          <a:p>
+            <a:pPr marL="285750" indent="-285750">
+              <a:buFont typeface="Arial"/>
+              <a:buChar char="•"/>
+            </a:pPr>
+            <a:r>
+              <a:rPr lang="en-US" dirty="0" smtClean="0"/>
+              <a:t>Official Website </a:t>
+            </a:r>
+            <a:r>
+              <a:rPr lang="en-US" dirty="0"/>
+              <a:t>- </a:t>
+            </a:r>
+            <a:r>
+              <a:rPr lang="en-US" dirty="0">
+                <a:hlinkClick r:id="rId2"/>
+              </a:rPr>
+              <a:t>https://angular.io</a:t>
+            </a:r>
+            <a:r>
+              <a:rPr lang="en-US" dirty="0" smtClean="0">
+                <a:hlinkClick r:id="rId2"/>
+              </a:rPr>
+              <a:t>/</a:t>
+            </a:r>
+            <a:endParaRPr lang="en-US" dirty="0" smtClean="0"/>
+          </a:p>
+          <a:p>
+            <a:pPr marL="285750" indent="-285750">
+              <a:buFont typeface="Arial"/>
+              <a:buChar char="•"/>
+            </a:pPr>
+            <a:endParaRPr lang="en-US" dirty="0"/>
+          </a:p>
+          <a:p>
+            <a:pPr marL="285750" indent="-285750">
+              <a:buFont typeface="Arial"/>
+              <a:buChar char="•"/>
+            </a:pPr>
+            <a:r>
+              <a:rPr lang="en-US" dirty="0" smtClean="0"/>
+              <a:t>Angular 2 </a:t>
+            </a:r>
+            <a:r>
+              <a:rPr lang="en-US" dirty="0"/>
+              <a:t>Style Guide - </a:t>
+            </a:r>
+            <a:r>
+              <a:rPr lang="en-US" dirty="0">
+                <a:hlinkClick r:id="rId3"/>
+              </a:rPr>
+              <a:t>https://angular.io/</a:t>
+            </a:r>
+            <a:r>
+              <a:rPr lang="en-US" dirty="0" smtClean="0">
+                <a:hlinkClick r:id="rId3"/>
+              </a:rPr>
+              <a:t>styleguide</a:t>
+            </a:r>
+            <a:endParaRPr lang="en-US" dirty="0" smtClean="0"/>
+          </a:p>
+          <a:p>
+            <a:pPr marL="285750" indent="-285750">
+              <a:buFont typeface="Arial"/>
+              <a:buChar char="•"/>
+            </a:pPr>
+            <a:endParaRPr lang="en-US" dirty="0"/>
+          </a:p>
+          <a:p>
+            <a:pPr marL="285750" indent="-285750">
+              <a:buFont typeface="Arial"/>
+              <a:buChar char="•"/>
+            </a:pPr>
+            <a:r>
+              <a:rPr lang="en-US" dirty="0" smtClean="0"/>
+              <a:t> Safari Bookshelf</a:t>
+            </a:r>
+          </a:p>
+          <a:p>
+            <a:pPr marL="742950" lvl="1" indent="-285750">
+              <a:buFont typeface="Arial"/>
+              <a:buChar char="•"/>
+            </a:pPr>
+            <a:r>
+              <a:rPr lang="en-US" dirty="0"/>
+              <a:t>Angular 2 Development with </a:t>
+            </a:r>
+            <a:r>
+              <a:rPr lang="en-US" dirty="0" err="1"/>
+              <a:t>TypeScript</a:t>
+            </a:r>
+            <a:endParaRPr lang="en-US" dirty="0"/>
+          </a:p>
+          <a:p>
+            <a:pPr marL="742950" lvl="1" indent="-285750">
+              <a:buFont typeface="Arial"/>
+              <a:buChar char="•"/>
+            </a:pPr>
+            <a:r>
+              <a:rPr lang="en-US" dirty="0"/>
+              <a:t>Switching to Angular 2</a:t>
+            </a:r>
+          </a:p>
+          <a:p>
+            <a:pPr marL="742950" lvl="1" indent="-285750">
+              <a:buFont typeface="Arial"/>
+              <a:buChar char="•"/>
+            </a:pPr>
+            <a:r>
+              <a:rPr lang="en-US" dirty="0"/>
+              <a:t>Angular 2 Deep Dive</a:t>
+            </a:r>
+          </a:p>
+          <a:p>
+            <a:pPr marL="742950" lvl="1" indent="-285750">
+              <a:buFont typeface="Arial"/>
+              <a:buChar char="•"/>
+            </a:pPr>
+            <a:endParaRPr lang="en-US" dirty="0" smtClean="0"/>
+          </a:p>
+          <a:p>
+            <a:pPr marL="285750" indent="-285750">
+              <a:buFont typeface="Arial"/>
+              <a:buChar char="•"/>
+            </a:pPr>
+            <a:r>
+              <a:rPr lang="en-US" dirty="0" err="1" smtClean="0"/>
+              <a:t>Udemy</a:t>
+            </a:r>
+            <a:r>
+              <a:rPr lang="en-US" dirty="0" smtClean="0"/>
+              <a:t> Courses </a:t>
+            </a:r>
+          </a:p>
+          <a:p>
+            <a:pPr marL="285750" indent="-285750">
+              <a:buFont typeface="Arial"/>
+              <a:buChar char="•"/>
+            </a:pPr>
+            <a:endParaRPr lang="en-US" dirty="0"/>
+          </a:p>
+          <a:p>
+            <a:pPr marL="285750" indent="-285750">
+              <a:buFont typeface="Arial"/>
+              <a:buChar char="•"/>
+            </a:pPr>
+            <a:r>
+              <a:rPr lang="en-US" dirty="0" err="1" smtClean="0"/>
+              <a:t>Youtube</a:t>
+            </a:r>
+            <a:r>
+              <a:rPr lang="en-US" dirty="0" smtClean="0"/>
+              <a:t> videos</a:t>
+            </a:r>
+          </a:p>
+          <a:p>
+            <a:pPr marL="285750" indent="-285750">
+              <a:buFont typeface="Arial"/>
+              <a:buChar char="•"/>
+            </a:pPr>
+            <a:endParaRPr lang="en-US" dirty="0"/>
+          </a:p>
+          <a:p>
+            <a:pPr marL="285750" indent="-285750">
+              <a:buFont typeface="Arial"/>
+              <a:buChar char="•"/>
+            </a:pPr>
+            <a:endParaRPr lang="en-US" dirty="0"/>
+          </a:p>
+          <a:p>
+            <a:pPr marL="285750" indent="-285750">
+              <a:buFont typeface="Arial"/>
+              <a:buChar char="•"/>
+            </a:pPr>
+            <a:endParaRPr lang="en-US" dirty="0" smtClean="0"/>
+          </a:p>
+          <a:p>
+            <a:pPr marL="742950" lvl="1" indent="-285750">
+              <a:buFont typeface="Arial"/>
+              <a:buChar char="•"/>
+            </a:pPr>
+            <a:endParaRPr lang="en-US" dirty="0" smtClean="0"/>
+          </a:p>
+          <a:p>
+            <a:pPr marL="285750" indent="-285750">
+              <a:buFont typeface="Arial"/>
+              <a:buChar char="•"/>
+            </a:pPr>
+            <a:endParaRPr lang="en-US" dirty="0"/>
+          </a:p>
+        </p:txBody>
+      </p:sp>
+    </p:spTree>
+    <p:extLst>
+      <p:ext uri="{BB962C8B-B14F-4D97-AF65-F5344CB8AC3E}">
+        <p14:creationId xmlns:p14="http://schemas.microsoft.com/office/powerpoint/2010/main" val="4004142918"/>
+      </p:ext>
+    </p:extLst>
+  </p:cSld>
+  <p:clrMapOvr>
+    <a:masterClrMapping/>
+  </p:clrMapOvr>
+</p:sld>
+</file>
+
 <file path=ppt/slides/slide2.xml><?xml version="1.0" encoding="utf-8"?>
 <p:sld xmlns:a="http://schemas.openxmlformats.org/drawingml/2006/main" xmlns:r="http://schemas.openxmlformats.org/officeDocument/2006/relationships" xmlns:p="http://schemas.openxmlformats.org/presentationml/2006/main">
   <p:cSld>
@@ -4988,15 +5244,7 @@
           <a:p>
             <a:r>
               <a:rPr lang="en-US" dirty="0" smtClean="0"/>
-              <a:t>LDNG UI is a JavaScript Single </a:t>
-            </a:r>
-            <a:r>
-              <a:rPr lang="en-US" dirty="0" smtClean="0"/>
-              <a:t>Page </a:t>
-            </a:r>
-            <a:r>
-              <a:rPr lang="en-US" dirty="0" smtClean="0"/>
-              <a:t>Application</a:t>
+              <a:t>LDNG UI is a JavaScript Single Page Application</a:t>
             </a:r>
             <a:br>
               <a:rPr lang="en-US" dirty="0" smtClean="0"/>
@@ -5155,11 +5403,7 @@
             </a:pPr>
             <a:r>
               <a:rPr lang="en-US" dirty="0" smtClean="0"/>
-              <a:t>UI </a:t>
-            </a:r>
-            <a:r>
-              <a:rPr lang="en-US" dirty="0" smtClean="0"/>
-              <a:t>is used by </a:t>
+              <a:t>UI is used by </a:t>
             </a:r>
             <a:r>
               <a:rPr lang="en-US" dirty="0" smtClean="0">
@@ -5193,23 +5437,7 @@
             </a:r>
             <a:r>
               <a:rPr lang="en-US" dirty="0" smtClean="0"/>
-              <a:t> lenders use the UI </a:t>
-            </a:r>
-            <a:r>
-              <a:rPr lang="en-US" dirty="0" smtClean="0"/>
-              <a:t>exclusively to </a:t>
-            </a:r>
-            <a:r>
-              <a:rPr lang="en-US" dirty="0" smtClean="0"/>
-              <a:t>add </a:t>
-            </a:r>
-            <a:r>
-              <a:rPr lang="en-US" dirty="0" smtClean="0"/>
-              <a:t>loans and </a:t>
-            </a:r>
-            <a:r>
-              <a:rPr lang="en-US" dirty="0" smtClean="0"/>
-              <a:t>deliver </a:t>
+              <a:t> lenders use the UI exclusively to add loans and deliver </a:t>
             </a:r>
           </a:p>
           <a:p>
@@ -5274,11 +5502,7 @@
             </a:pPr>
             <a:r>
               <a:rPr lang="en-US" dirty="0" smtClean="0"/>
-              <a:t>Backbone JS is </a:t>
-            </a:r>
-            <a:r>
-              <a:rPr lang="en-US" dirty="0" smtClean="0"/>
-              <a:t>a library, not a framework</a:t>
+              <a:t>Backbone JS is a library, not a framework</a:t>
             </a:r>
           </a:p>
           <a:p>
@@ -5308,11 +5532,7 @@
             </a:pPr>
             <a:r>
               <a:rPr lang="en-US" dirty="0" smtClean="0"/>
-              <a:t>No two way binding or declarative </a:t>
-            </a:r>
-            <a:r>
-              <a:rPr lang="en-US" dirty="0" smtClean="0"/>
-              <a:t>forms support</a:t>
+              <a:t>No two way binding or declarative forms support</a:t>
             </a:r>
           </a:p>
           <a:p>
@@ -5322,11 +5542,7 @@
             </a:pPr>
             <a:r>
               <a:rPr lang="en-US" dirty="0" smtClean="0"/>
-              <a:t>App uses </a:t>
-            </a:r>
-            <a:r>
-              <a:rPr lang="en-US" dirty="0" smtClean="0"/>
-              <a:t>many other open-source 3</a:t>
+              <a:t>App uses many other open-source 3</a:t>
             </a:r>
             <a:r>
               <a:rPr lang="en-US" baseline="30000" dirty="0" smtClean="0"/>
@@ -5334,17 +5550,8 @@
             </a:r>
             <a:r>
               <a:rPr lang="en-US" dirty="0" smtClean="0"/>
-              <a:t> </a:t>
-            </a:r>
-            <a:r>
-              <a:rPr lang="en-US" dirty="0" smtClean="0"/>
-              <a:t>party libraries </a:t>
-            </a:r>
-            <a:r>
-              <a:rPr lang="en-US" dirty="0" smtClean="0"/>
-              <a:t> and tools</a:t>
-            </a:r>
-            <a:endParaRPr lang="en-US" dirty="0" smtClean="0"/>
+              <a:t> party libraries  and tools</a:t>
+            </a:r>
           </a:p>
           <a:p>
             <a:pPr lvl="1" indent="0">
@@ -5811,7 +6018,7 @@
           <p:nvPr>
             <p:extLst>
               <p:ext uri="{D42A27DB-BD31-4B8C-83A1-F6EECF244321}">
-                <p14:modId xmlns:p14="http://schemas.microsoft.com/office/powerpoint/2010/main" val="2203891300"/>
+                <p14:modId xmlns:p14="http://schemas.microsoft.com/office/powerpoint/2010/main" val="533364850"/>
               </p:ext>
             </p:extLst>
           </p:nvPr>
@@ -5887,8 +6094,13 @@
                       </a:pPr>
                       <a:r>
                         <a:rPr lang="en-US" sz="1400" dirty="0" smtClean="0"/>
-                        <a:t>A “full” framework à la Spring</a:t>
+                        <a:t>A “full” </a:t>
                       </a:r>
+                      <a:r>
+                        <a:rPr lang="en-US" sz="1400" dirty="0" smtClean="0"/>
+                        <a:t>framework</a:t>
+                      </a:r>
+                      <a:endParaRPr lang="en-US" sz="1400" dirty="0" smtClean="0"/>
                     </a:p>
                     <a:p>
                       <a:pPr marL="285750" indent="-285750">
@@ -5933,13 +6145,8 @@
                       </a:r>
                       <a:r>
                         <a:rPr lang="en-US" sz="1400" baseline="0" dirty="0" smtClean="0"/>
-                        <a:t> (but, </a:t>
+                        <a:t> (but, beware!)</a:t>
                       </a:r>
-                      <a:r>
-                        <a:rPr lang="en-US" sz="1400" baseline="0" dirty="0" smtClean="0"/>
-                        <a:t>beware!)</a:t>
-                      </a:r>
-                      <a:endParaRPr lang="en-US" sz="1400" baseline="0" dirty="0" smtClean="0"/>
                     </a:p>
                     <a:p>
                       <a:pPr marL="285750" indent="-285750">
@@ -6109,19 +6316,11 @@
                       </a:r>
                       <a:r>
                         <a:rPr lang="en-US" sz="1400" baseline="0" dirty="0" smtClean="0"/>
-                        <a:t> </a:t>
-                      </a:r>
-                      <a:r>
-                        <a:rPr lang="en-US" sz="1400" baseline="0" dirty="0" smtClean="0"/>
-                        <a:t>It’s e</a:t>
+                        <a:t> It’s e</a:t>
                       </a:r>
                       <a:r>
                         <a:rPr lang="en-US" sz="1400" dirty="0" smtClean="0"/>
-                        <a:t>asier</a:t>
-                      </a:r>
-                      <a:r>
-                        <a:rPr lang="en-US" sz="1400" dirty="0" smtClean="0"/>
-                        <a:t>-to-learn</a:t>
+                        <a:t>asier-to-learn</a:t>
                       </a:r>
                       <a:r>
                         <a:rPr lang="en-US" sz="1400" baseline="0" dirty="0" smtClean="0"/>
@@ -6168,11 +6367,7 @@
                       </a:pPr>
                       <a:r>
                         <a:rPr lang="en-US" sz="1400" baseline="0" dirty="0" smtClean="0"/>
-                        <a:t>Future proof: Typescript </a:t>
-                      </a:r>
-                      <a:r>
-                        <a:rPr lang="en-US" sz="1400" baseline="0" dirty="0" smtClean="0"/>
-                        <a:t>code is </a:t>
+                        <a:t>Future proof: Typescript code is </a:t>
                       </a:r>
                       <a:r>
                         <a:rPr lang="en-US" sz="1400" baseline="0" dirty="0" err="1" smtClean="0"/>
@@ -6401,11 +6596,7 @@
                       </a:r>
                       <a:r>
                         <a:rPr lang="en-US" sz="1400" baseline="0" dirty="0" smtClean="0"/>
-                        <a:t> updates every 6 months. Angular 4 was released on </a:t>
-                      </a:r>
-                      <a:r>
-                        <a:rPr lang="en-US" sz="1400" baseline="0" dirty="0" smtClean="0"/>
-                        <a:t>schedule, last month.</a:t>
+                        <a:t> updates every 6 months. Angular 4 was released on schedule, last month.</a:t>
                       </a:r>
                       <a:endParaRPr lang="en-US" sz="1400" dirty="0" smtClean="0"/>
                     </a:p>
@@ -6609,8 +6800,8 @@
         </p:nvSpPr>
         <p:spPr>
           <a:xfrm>
-            <a:off x="365760" y="1637330"/>
-            <a:ext cx="11539728" cy="4517136"/>
+            <a:off x="365760" y="1541123"/>
+            <a:ext cx="11539728" cy="4808305"/>
           </a:xfrm>
         </p:spPr>
         <p:txBody>
@@ -6623,8 +6814,13 @@
             </a:pPr>
             <a:r>
               <a:rPr lang="en-US" dirty="0" smtClean="0"/>
-              <a:t>Evaluate/Prototype (Crawl?)</a:t>
-            </a:r>
+              <a:t>Evaluate/</a:t>
+            </a:r>
+            <a:r>
+              <a:rPr lang="en-US" dirty="0" smtClean="0"/>
+              <a:t>Prototype</a:t>
+            </a:r>
+            <a:endParaRPr lang="en-US" dirty="0" smtClean="0"/>
           </a:p>
           <a:p>
             <a:pPr marL="742950" lvl="1" indent="-285750">
@@ -6643,15 +6839,7 @@
             </a:pPr>
             <a:r>
               <a:rPr lang="en-US" dirty="0" smtClean="0"/>
-              <a:t>Angular 2 was not GA, but was in the final RC stages. We assessed </a:t>
-            </a:r>
-            <a:r>
-              <a:rPr lang="en-US" dirty="0" smtClean="0"/>
-              <a:t>when </a:t>
-            </a:r>
-            <a:r>
-              <a:rPr lang="en-US" dirty="0" smtClean="0"/>
-              <a:t>we would start</a:t>
+              <a:t>Angular 2 was not GA, but was in the final RC stages. We assessed when we would start</a:t>
             </a:r>
           </a:p>
           <a:p>
@@ -6669,11 +6857,7 @@
             </a:r>
             <a:r>
               <a:rPr lang="en-US" dirty="0" smtClean="0"/>
-              <a:t>, which has great </a:t>
-            </a:r>
-            <a:r>
-              <a:rPr lang="en-US" dirty="0" smtClean="0"/>
-              <a:t>Angular support</a:t>
+              <a:t>, which has great Angular support</a:t>
             </a:r>
             <a:endParaRPr lang="en-US" dirty="0"/>
           </a:p>
@@ -6691,8 +6875,9 @@
             </a:pPr>
             <a:r>
               <a:rPr lang="en-US" dirty="0" smtClean="0"/>
-              <a:t>Introduce (Walk?)</a:t>
-            </a:r>
+              <a:t>Introduce </a:t>
+            </a:r>
+            <a:endParaRPr lang="en-US" dirty="0" smtClean="0"/>
           </a:p>
           <a:p>
             <a:pPr marL="742950" lvl="1" indent="-285750">
@@ -6701,7 +6886,11 @@
             </a:pPr>
             <a:r>
               <a:rPr lang="en-US" dirty="0" smtClean="0"/>
-              <a:t>New Loan Delivery functionality (</a:t>
+              <a:t>New </a:t>
+            </a:r>
+            <a:r>
+              <a:rPr lang="en-US" dirty="0" smtClean="0"/>
+              <a:t>Loan Delivery functionality (</a:t>
             </a:r>
             <a:r>
               <a:rPr lang="en-US" dirty="0" err="1" smtClean="0"/>
@@ -6719,7 +6908,11 @@
             </a:pPr>
             <a:r>
               <a:rPr lang="en-US" dirty="0" smtClean="0"/>
-              <a:t>Started with 1 Scrum team started development with 2 Angular stories </a:t>
+              <a:t>Started with 1 Scrum </a:t>
+            </a:r>
+            <a:r>
+              <a:rPr lang="en-US" dirty="0" smtClean="0"/>
+              <a:t>team</a:t>
             </a:r>
             <a:endParaRPr lang="en-US" dirty="0"/>
           </a:p>
@@ -6730,11 +6923,15 @@
             </a:pPr>
             <a:r>
               <a:rPr lang="en-US" dirty="0" smtClean="0"/>
-              <a:t>Other teams other </a:t>
+              <a:t>Other teams </a:t>
+            </a:r>
+            <a:r>
+              <a:rPr lang="en-US" dirty="0" smtClean="0"/>
+              <a:t>picked </a:t>
             </a:r>
             <a:r>
               <a:rPr lang="en-US" dirty="0"/>
-              <a:t>teams picked up </a:t>
+              <a:t>up </a:t>
             </a:r>
             <a:r>
               <a:rPr lang="en-US" dirty="0" smtClean="0"/>
@@ -6747,24 +6944,8 @@
               <a:buChar char="•"/>
             </a:pPr>
             <a:r>
-              <a:rPr lang="en-US" dirty="0" err="1" smtClean="0"/>
-              <a:t>Apprentriship</a:t>
-            </a:r>
-            <a:r>
-              <a:rPr lang="en-US" dirty="0" smtClean="0"/>
-              <a:t> – new </a:t>
-            </a:r>
-            <a:r>
-              <a:rPr lang="en-US" dirty="0" err="1" smtClean="0"/>
-              <a:t>devs</a:t>
-            </a:r>
-            <a:r>
-              <a:rPr lang="en-US" dirty="0" smtClean="0"/>
-              <a:t> picking up Angular 2 skills – backend and new </a:t>
-            </a:r>
-            <a:r>
-              <a:rPr lang="en-US" dirty="0" err="1" smtClean="0"/>
-              <a:t>devs</a:t>
+              <a:rPr lang="en-US" dirty="0" smtClean="0"/>
+              <a:t>Both new developers and backend developers picked up quickly and contributed.</a:t>
             </a:r>
             <a:endParaRPr lang="en-US" dirty="0"/>
           </a:p>
@@ -6781,8 +6962,9 @@
             </a:pPr>
             <a:r>
               <a:rPr lang="en-US" dirty="0" smtClean="0"/>
-              <a:t>Current State (Run?)</a:t>
-            </a:r>
+              <a:t>Current State </a:t>
+            </a:r>
+            <a:endParaRPr lang="en-US" dirty="0" smtClean="0"/>
           </a:p>
           <a:p>
             <a:pPr marL="742950" lvl="1" indent="-285750">
@@ -6791,7 +6973,11 @@
             </a:pPr>
             <a:r>
               <a:rPr lang="en-US" dirty="0" smtClean="0"/>
-              <a:t>Angular code is built, tested and deployed with CI/CD. Some days we have 5 builds to dev.</a:t>
+              <a:t>Angular </a:t>
+            </a:r>
+            <a:r>
+              <a:rPr lang="en-US" dirty="0" smtClean="0"/>
+              <a:t>code is built, tested and deployed with CI/CD. Some days we have 5 builds to dev.</a:t>
             </a:r>
             <a:endParaRPr lang="en-US" dirty="0"/>
           </a:p>
@@ -7306,7 +7492,7 @@
   <a:extraClrSchemeLst/>
   <a:extLst>
     <a:ext uri="{05A4C25C-085E-4340-85A3-A5531E510DB2}">
-      <thm15:themeFamily xmlns:thm15="http://schemas.microsoft.com/office/thememl/2012/main" xmlns="" name="Onscreen_widescreen_internal 080516.potx" id="{121A837F-13EB-4EEB-9CBF-68FF432138C7}" vid="{94EEF936-9075-4692-8DC5-567B13725D63}"/>
+      <thm15:themeFamily xmlns="" xmlns:thm15="http://schemas.microsoft.com/office/thememl/2012/main" name="Onscreen_widescreen_internal 080516.potx" id="{121A837F-13EB-4EEB-9CBF-68FF432138C7}" vid="{94EEF936-9075-4692-8DC5-567B13725D63}"/>
     </a:ext>
   </a:extLst>
 </a:theme>
@@ -7567,7 +7753,7 @@
   <a:extraClrSchemeLst/>
   <a:extLst>
     <a:ext uri="{05A4C25C-085E-4340-85A3-A5531E510DB2}">
-      <thm15:themeFamily xmlns:thm15="http://schemas.microsoft.com/office/thememl/2012/main" xmlns="" name="Office Theme" id="{62F939B6-93AF-4DB8-9C6B-D6C7DFDC589F}" vid="{4A3C46E8-61CC-4603-A589-7422A47A8E4A}"/>
+      <thm15:themeFamily xmlns="" xmlns:thm15="http://schemas.microsoft.com/office/thememl/2012/main" name="Office Theme" id="{62F939B6-93AF-4DB8-9C6B-D6C7DFDC589F}" vid="{4A3C46E8-61CC-4603-A589-7422A47A8E4A}"/>
     </a:ext>
   </a:extLst>
 </a:theme>
@@ -7828,7 +8014,7 @@
   <a:extraClrSchemeLst/>
   <a:extLst>
     <a:ext uri="{05A4C25C-085E-4340-85A3-A5531E510DB2}">
-      <thm15:themeFamily xmlns:thm15="http://schemas.microsoft.com/office/thememl/2012/main" xmlns="" name="Office Theme" id="{62F939B6-93AF-4DB8-9C6B-D6C7DFDC589F}" vid="{4A3C46E8-61CC-4603-A589-7422A47A8E4A}"/>
+      <thm15:themeFamily xmlns="" xmlns:thm15="http://schemas.microsoft.com/office/thememl/2012/main" name="Office Theme" id="{62F939B6-93AF-4DB8-9C6B-D6C7DFDC589F}" vid="{4A3C46E8-61CC-4603-A589-7422A47A8E4A}"/>
     </a:ext>
   </a:extLst>
 </a:theme>

--- a/Adopting Angular2 as an accelerator for new UI development  an LDNG journey - Suri.pptx
+++ b/Adopting Angular2 as an accelerator for new UI development  an LDNG journey - Suri.pptx
@@ -5,10 +5,10 @@
     <p:sldMasterId id="2147483648" r:id="rId1"/>
   </p:sldMasterIdLst>
   <p:notesMasterIdLst>
-    <p:notesMasterId r:id="rId15"/>
+    <p:notesMasterId r:id="rId16"/>
   </p:notesMasterIdLst>
   <p:handoutMasterIdLst>
-    <p:handoutMasterId r:id="rId16"/>
+    <p:handoutMasterId r:id="rId17"/>
   </p:handoutMasterIdLst>
   <p:sldIdLst>
     <p:sldId id="256" r:id="rId2"/>
@@ -18,12 +18,13 @@
     <p:sldId id="262" r:id="rId6"/>
     <p:sldId id="263" r:id="rId7"/>
     <p:sldId id="264" r:id="rId8"/>
-    <p:sldId id="266" r:id="rId9"/>
-    <p:sldId id="267" r:id="rId10"/>
-    <p:sldId id="268" r:id="rId11"/>
-    <p:sldId id="269" r:id="rId12"/>
-    <p:sldId id="258" r:id="rId13"/>
-    <p:sldId id="271" r:id="rId14"/>
+    <p:sldId id="272" r:id="rId9"/>
+    <p:sldId id="273" r:id="rId10"/>
+    <p:sldId id="267" r:id="rId11"/>
+    <p:sldId id="268" r:id="rId12"/>
+    <p:sldId id="269" r:id="rId13"/>
+    <p:sldId id="258" r:id="rId14"/>
+    <p:sldId id="271" r:id="rId15"/>
   </p:sldIdLst>
   <p:sldSz cx="12192000" cy="6858000"/>
   <p:notesSz cx="6858000" cy="9144000"/>
@@ -124,7 +125,7 @@
   </p:defaultTextStyle>
   <p:extLst>
     <p:ext uri="{EFAFB233-063F-42B5-8137-9DF3F51BA10A}">
-      <p15:sldGuideLst xmlns="" xmlns:p15="http://schemas.microsoft.com/office/powerpoint/2012/main">
+      <p15:sldGuideLst xmlns:p15="http://schemas.microsoft.com/office/powerpoint/2012/main">
         <p15:guide id="1" orient="horz" pos="2160">
           <p15:clr>
             <a:srgbClr val="A4A3A4"/>
@@ -138,7 +139,7 @@
       </p15:sldGuideLst>
     </p:ext>
     <p:ext uri="{2D200454-40CA-4A62-9FC3-DE9A4176ACB9}">
-      <p15:notesGuideLst xmlns="" xmlns:p15="http://schemas.microsoft.com/office/powerpoint/2012/main">
+      <p15:notesGuideLst xmlns:p15="http://schemas.microsoft.com/office/powerpoint/2012/main">
         <p15:guide id="1" orient="horz" pos="2880">
           <p15:clr>
             <a:srgbClr val="A4A3A4"/>
@@ -304,6 +305,7 @@
             <c:showLeaderLines val="0"/>
             <c:extLst>
               <c:ext xmlns:c15="http://schemas.microsoft.com/office/drawing/2012/chart" uri="{CE6537A1-D6FC-4f65-9D91-7224C49458BB}">
+                <c15:layout/>
                 <c15:showLeaderLines val="1"/>
                 <c15:leaderLines>
                   <c:spPr>
@@ -361,11 +363,11 @@
         </c:dLbls>
         <c:gapWidth val="100"/>
         <c:overlap val="-24"/>
-        <c:axId val="2142350584"/>
-        <c:axId val="2142354152"/>
+        <c:axId val="319952104"/>
+        <c:axId val="319945440"/>
       </c:barChart>
       <c:catAx>
-        <c:axId val="2142350584"/>
+        <c:axId val="319952104"/>
         <c:scaling>
           <c:orientation val="minMax"/>
         </c:scaling>
@@ -407,7 +409,7 @@
             <a:endParaRPr lang="en-US"/>
           </a:p>
         </c:txPr>
-        <c:crossAx val="2142354152"/>
+        <c:crossAx val="319945440"/>
         <c:crosses val="autoZero"/>
         <c:auto val="1"/>
         <c:lblAlgn val="ctr"/>
@@ -415,10 +417,10 @@
         <c:noMultiLvlLbl val="0"/>
       </c:catAx>
       <c:valAx>
-        <c:axId val="2142354152"/>
+        <c:axId val="319945440"/>
         <c:scaling>
           <c:orientation val="minMax"/>
-          <c:min val="0.0"/>
+          <c:min val="0"/>
         </c:scaling>
         <c:delete val="0"/>
         <c:axPos val="l"/>
@@ -466,7 +468,7 @@
             <a:endParaRPr lang="en-US"/>
           </a:p>
         </c:txPr>
-        <c:crossAx val="2142350584"/>
+        <c:crossAx val="319952104"/>
         <c:crosses val="autoZero"/>
         <c:crossBetween val="between"/>
       </c:valAx>
@@ -518,7 +520,7 @@
       <a:endParaRPr lang="en-US"/>
     </a:p>
   </c:txPr>
-  <c:externalData r:id="rId1">
+  <c:externalData r:id="rId3">
     <c:autoUpdate val="0"/>
   </c:externalData>
 </c:chartSpace>
@@ -1748,50 +1750,6 @@
           <a:bodyPr/>
           <a:lstStyle/>
           <a:p>
-            <a:pPr marL="742950" lvl="1" indent="-285750">
-              <a:buFont typeface="Arial" panose="020B0604020202020204" pitchFamily="34" charset="0"/>
-              <a:buChar char="•"/>
-            </a:pPr>
-            <a:r>
-              <a:rPr lang="en-US" b="1" dirty="0" smtClean="0">
-                <a:solidFill>
-                  <a:srgbClr val="FFFF00"/>
-                </a:solidFill>
-              </a:rPr>
-              <a:t>Action Item – provide links to YouTube videos, </a:t>
-            </a:r>
-            <a:r>
-              <a:rPr lang="en-US" b="1" dirty="0" err="1" smtClean="0">
-                <a:solidFill>
-                  <a:srgbClr val="FFFF00"/>
-                </a:solidFill>
-              </a:rPr>
-              <a:t>Udemy</a:t>
-            </a:r>
-            <a:r>
-              <a:rPr lang="en-US" b="1" dirty="0" smtClean="0">
-                <a:solidFill>
-                  <a:srgbClr val="FFFF00"/>
-                </a:solidFill>
-              </a:rPr>
-              <a:t> course(s), and Safari book(s) if available</a:t>
-            </a:r>
-          </a:p>
-          <a:p>
-            <a:pPr marL="742950" lvl="1" indent="-285750">
-              <a:buFont typeface="Arial" panose="020B0604020202020204" pitchFamily="34" charset="0"/>
-              <a:buChar char="•"/>
-            </a:pPr>
-            <a:r>
-              <a:rPr lang="en-US" b="1" dirty="0" smtClean="0">
-                <a:solidFill>
-                  <a:srgbClr val="FFFF00"/>
-                </a:solidFill>
-              </a:rPr>
-              <a:t>Recommend that we go over this content as how we made a decision, not on what Angular2 does</a:t>
-            </a:r>
-          </a:p>
-          <a:p>
             <a:endParaRPr lang="en-US" dirty="0"/>
           </a:p>
         </p:txBody>
@@ -1914,14 +1872,6 @@
           <a:bodyPr/>
           <a:lstStyle/>
           <a:p>
-            <a:r>
-              <a:rPr lang="en-US" dirty="0" smtClean="0"/>
-              <a:t>- Add number of tests</a:t>
-            </a:r>
-            <a:r>
-              <a:rPr lang="en-US" baseline="0" dirty="0" smtClean="0"/>
-              <a:t> to graph</a:t>
-            </a:r>
             <a:endParaRPr lang="en-US" dirty="0"/>
           </a:p>
         </p:txBody>
@@ -1929,7 +1879,7 @@
     </p:spTree>
     <p:extLst>
       <p:ext uri="{BB962C8B-B14F-4D97-AF65-F5344CB8AC3E}">
-        <p14:creationId xmlns:p14="http://schemas.microsoft.com/office/powerpoint/2010/main" val="1039671984"/>
+        <p14:creationId xmlns:p14="http://schemas.microsoft.com/office/powerpoint/2010/main" val="2764628073"/>
       </p:ext>
     </p:extLst>
   </p:cSld>
@@ -2612,7 +2562,7 @@
                 <a:tabLst/>
                 <a:defRPr/>
               </a:pPr>
-              <a:t>4/18/17</a:t>
+              <a:t>4/19/2017</a:t>
             </a:fld>
             <a:endParaRPr lang="en-US" altLang="en-US" sz="900" dirty="0" smtClean="0">
               <a:solidFill>
@@ -2922,7 +2872,7 @@
                 <a:tabLst/>
                 <a:defRPr/>
               </a:pPr>
-              <a:t>4/18/17</a:t>
+              <a:t>4/19/2017</a:t>
             </a:fld>
             <a:endParaRPr lang="en-US" altLang="en-US" sz="900" dirty="0" smtClean="0">
               <a:solidFill>
@@ -3337,7 +3287,7 @@
                 <a:tabLst/>
                 <a:defRPr/>
               </a:pPr>
-              <a:t>4/18/17</a:t>
+              <a:t>4/19/2017</a:t>
             </a:fld>
             <a:endParaRPr lang="en-US" altLang="en-US" sz="900" dirty="0" smtClean="0">
               <a:solidFill>
@@ -3763,7 +3713,7 @@
                 <a:tabLst/>
                 <a:defRPr/>
               </a:pPr>
-              <a:t>4/18/17</a:t>
+              <a:t>4/19/2017</a:t>
             </a:fld>
             <a:endParaRPr lang="en-US" altLang="en-US" sz="900" dirty="0" smtClean="0">
               <a:solidFill>
@@ -3929,7 +3879,7 @@
                 <a:tabLst/>
                 <a:defRPr/>
               </a:pPr>
-              <a:t>4/18/17</a:t>
+              <a:t>4/19/2017</a:t>
             </a:fld>
             <a:endParaRPr lang="en-US" altLang="en-US" sz="900" dirty="0" smtClean="0">
               <a:solidFill>
@@ -4514,7 +4464,7 @@
   <p:timing>
     <p:tnLst>
       <p:par>
-        <p:cTn xmlns:p14="http://schemas.microsoft.com/office/powerpoint/2010/main" id="1" dur="indefinite" restart="never" nodeType="tmRoot"/>
+        <p:cTn id="1" dur="indefinite" restart="never" nodeType="tmRoot"/>
       </p:par>
     </p:tnLst>
   </p:timing>
@@ -4554,9 +4504,16 @@
           <a:lstStyle/>
           <a:p>
             <a:r>
+              <a:rPr lang="en-US" dirty="0"/>
+              <a:t>Metrics comparison of development time/effort/complexity – and richness of </a:t>
+            </a:r>
+            <a:r>
               <a:rPr lang="en-US" dirty="0" smtClean="0"/>
-              <a:t>Program benefits</a:t>
-            </a:r>
+              <a:t>features  </a:t>
+            </a:r>
+            <a:br>
+              <a:rPr lang="en-US" dirty="0" smtClean="0"/>
+            </a:br>
             <a:endParaRPr lang="en-US" dirty="0"/>
           </a:p>
         </p:txBody>
@@ -4587,7 +4544,7 @@
     </p:spTree>
     <p:extLst>
       <p:ext uri="{BB962C8B-B14F-4D97-AF65-F5344CB8AC3E}">
-        <p14:creationId xmlns:p14="http://schemas.microsoft.com/office/powerpoint/2010/main" val="3712995356"/>
+        <p14:creationId xmlns:p14="http://schemas.microsoft.com/office/powerpoint/2010/main" val="867932338"/>
       </p:ext>
     </p:extLst>
   </p:cSld>
@@ -4597,7 +4554,7 @@
   <p:timing>
     <p:tnLst>
       <p:par>
-        <p:cTn xmlns:p14="http://schemas.microsoft.com/office/powerpoint/2010/main" id="1" dur="indefinite" restart="never" nodeType="tmRoot"/>
+        <p:cTn id="1" dur="indefinite" restart="never" nodeType="tmRoot"/>
       </p:par>
     </p:tnLst>
   </p:timing>
@@ -4638,7 +4595,7 @@
           <a:p>
             <a:r>
               <a:rPr lang="en-US" dirty="0" smtClean="0"/>
-              <a:t>Demo</a:t>
+              <a:t>Program benefits</a:t>
             </a:r>
             <a:endParaRPr lang="en-US" dirty="0"/>
           </a:p>
@@ -4670,7 +4627,7 @@
     </p:spTree>
     <p:extLst>
       <p:ext uri="{BB962C8B-B14F-4D97-AF65-F5344CB8AC3E}">
-        <p14:creationId xmlns:p14="http://schemas.microsoft.com/office/powerpoint/2010/main" val="442889103"/>
+        <p14:creationId xmlns:p14="http://schemas.microsoft.com/office/powerpoint/2010/main" val="3712995356"/>
       </p:ext>
     </p:extLst>
   </p:cSld>
@@ -4680,7 +4637,7 @@
   <p:timing>
     <p:tnLst>
       <p:par>
-        <p:cTn xmlns:p14="http://schemas.microsoft.com/office/powerpoint/2010/main" id="1" dur="indefinite" restart="never" nodeType="tmRoot"/>
+        <p:cTn id="1" dur="indefinite" restart="never" nodeType="tmRoot"/>
       </p:par>
     </p:tnLst>
   </p:timing>
@@ -4706,7 +4663,7 @@
       </p:grpSpPr>
       <p:sp>
         <p:nvSpPr>
-          <p:cNvPr id="2" name="Title 1"/>
+          <p:cNvPr id="4" name="Title 3"/>
           <p:cNvSpPr>
             <a:spLocks noGrp="1"/>
           </p:cNvSpPr>
@@ -4721,8 +4678,31 @@
           <a:p>
             <a:r>
               <a:rPr lang="en-US" dirty="0" smtClean="0"/>
-              <a:t>Questions and hopefully we have some answers!</a:t>
-            </a:r>
+              <a:t>Demo</a:t>
+            </a:r>
+            <a:endParaRPr lang="en-US" dirty="0"/>
+          </a:p>
+        </p:txBody>
+      </p:sp>
+      <p:sp>
+        <p:nvSpPr>
+          <p:cNvPr id="5" name="Content Placeholder 4"/>
+          <p:cNvSpPr>
+            <a:spLocks noGrp="1"/>
+          </p:cNvSpPr>
+          <p:nvPr>
+            <p:ph idx="1"/>
+          </p:nvPr>
+        </p:nvSpPr>
+        <p:spPr/>
+        <p:txBody>
+          <a:bodyPr/>
+          <a:lstStyle/>
+          <a:p>
+            <a:pPr marL="285750" indent="-285750">
+              <a:buFont typeface="Arial" panose="020B0604020202020204" pitchFamily="34" charset="0"/>
+              <a:buChar char="•"/>
+            </a:pPr>
             <a:endParaRPr lang="en-US" dirty="0"/>
           </a:p>
         </p:txBody>
@@ -4730,7 +4710,7 @@
     </p:spTree>
     <p:extLst>
       <p:ext uri="{BB962C8B-B14F-4D97-AF65-F5344CB8AC3E}">
-        <p14:creationId xmlns:p14="http://schemas.microsoft.com/office/powerpoint/2010/main" val="1647423624"/>
+        <p14:creationId xmlns:p14="http://schemas.microsoft.com/office/powerpoint/2010/main" val="442889103"/>
       </p:ext>
     </p:extLst>
   </p:cSld>
@@ -4740,7 +4720,7 @@
   <p:timing>
     <p:tnLst>
       <p:par>
-        <p:cTn xmlns:p14="http://schemas.microsoft.com/office/powerpoint/2010/main" id="1" dur="indefinite" restart="never" nodeType="tmRoot"/>
+        <p:cTn id="1" dur="indefinite" restart="never" nodeType="tmRoot"/>
       </p:par>
     </p:tnLst>
   </p:timing>
@@ -4781,6 +4761,66 @@
           <a:p>
             <a:r>
               <a:rPr lang="en-US" dirty="0" smtClean="0"/>
+              <a:t>Questions and hopefully we have some answers!</a:t>
+            </a:r>
+            <a:endParaRPr lang="en-US" dirty="0"/>
+          </a:p>
+        </p:txBody>
+      </p:sp>
+    </p:spTree>
+    <p:extLst>
+      <p:ext uri="{BB962C8B-B14F-4D97-AF65-F5344CB8AC3E}">
+        <p14:creationId xmlns:p14="http://schemas.microsoft.com/office/powerpoint/2010/main" val="1647423624"/>
+      </p:ext>
+    </p:extLst>
+  </p:cSld>
+  <p:clrMapOvr>
+    <a:masterClrMapping/>
+  </p:clrMapOvr>
+  <p:timing>
+    <p:tnLst>
+      <p:par>
+        <p:cTn id="1" dur="indefinite" restart="never" nodeType="tmRoot"/>
+      </p:par>
+    </p:tnLst>
+  </p:timing>
+</p:sld>
+</file>
+
+<file path=ppt/slides/slide14.xml><?xml version="1.0" encoding="utf-8"?>
+<p:sld xmlns:a="http://schemas.openxmlformats.org/drawingml/2006/main" xmlns:r="http://schemas.openxmlformats.org/officeDocument/2006/relationships" xmlns:p="http://schemas.openxmlformats.org/presentationml/2006/main">
+  <p:cSld>
+    <p:spTree>
+      <p:nvGrpSpPr>
+        <p:cNvPr id="1" name=""/>
+        <p:cNvGrpSpPr/>
+        <p:nvPr/>
+      </p:nvGrpSpPr>
+      <p:grpSpPr>
+        <a:xfrm>
+          <a:off x="0" y="0"/>
+          <a:ext cx="0" cy="0"/>
+          <a:chOff x="0" y="0"/>
+          <a:chExt cx="0" cy="0"/>
+        </a:xfrm>
+      </p:grpSpPr>
+      <p:sp>
+        <p:nvSpPr>
+          <p:cNvPr id="2" name="Title 1"/>
+          <p:cNvSpPr>
+            <a:spLocks noGrp="1"/>
+          </p:cNvSpPr>
+          <p:nvPr>
+            <p:ph type="title"/>
+          </p:nvPr>
+        </p:nvSpPr>
+        <p:spPr/>
+        <p:txBody>
+          <a:bodyPr/>
+          <a:lstStyle/>
+          <a:p>
+            <a:r>
+              <a:rPr lang="en-US" dirty="0" smtClean="0"/>
               <a:t>Resources</a:t>
             </a:r>
             <a:endParaRPr lang="en-US" dirty="0"/>
@@ -4932,35 +4972,8 @@
             </a:r>
             <a:r>
               <a:rPr lang="en-US" dirty="0" smtClean="0"/>
-              <a:t> Courses </a:t>
-            </a:r>
-          </a:p>
-          <a:p>
-            <a:pPr marL="285750" indent="-285750">
-              <a:buFont typeface="Arial"/>
-              <a:buChar char="•"/>
-            </a:pPr>
-            <a:endParaRPr lang="en-US" dirty="0"/>
-          </a:p>
-          <a:p>
-            <a:pPr marL="285750" indent="-285750">
-              <a:buFont typeface="Arial"/>
-              <a:buChar char="•"/>
-            </a:pPr>
-            <a:r>
-              <a:rPr lang="en-US" dirty="0" err="1" smtClean="0"/>
-              <a:t>Youtube</a:t>
-            </a:r>
-            <a:r>
-              <a:rPr lang="en-US" dirty="0" smtClean="0"/>
-              <a:t> videos</a:t>
-            </a:r>
-          </a:p>
-          <a:p>
-            <a:pPr marL="285750" indent="-285750">
-              <a:buFont typeface="Arial"/>
-              <a:buChar char="•"/>
-            </a:pPr>
+              <a:t>/YouTube videos</a:t>
+            </a:r>
             <a:endParaRPr lang="en-US" dirty="0"/>
           </a:p>
           <a:p>
@@ -5203,7 +5216,7 @@
   <p:timing>
     <p:tnLst>
       <p:par>
-        <p:cTn xmlns:p14="http://schemas.microsoft.com/office/powerpoint/2010/main" id="1" dur="indefinite" restart="never" nodeType="tmRoot"/>
+        <p:cTn id="1" dur="indefinite" restart="never" nodeType="tmRoot"/>
       </p:par>
     </p:tnLst>
   </p:timing>
@@ -5303,7 +5316,7 @@
           <a:noFill/>
           <a:extLst>
             <a:ext uri="{909E8E84-426E-40dd-AFC4-6F175D3DCCD1}">
-              <a14:hiddenFill xmlns:a14="http://schemas.microsoft.com/office/drawing/2010/main">
+              <a14:hiddenFill xmlns:a14="http://schemas.microsoft.com/office/drawing/2010/main" xmlns="">
                 <a:solidFill>
                   <a:srgbClr val="FFFFFF"/>
                 </a:solidFill>
@@ -5325,7 +5338,7 @@
   <p:timing>
     <p:tnLst>
       <p:par>
-        <p:cTn xmlns:p14="http://schemas.microsoft.com/office/powerpoint/2010/main" id="1" dur="indefinite" restart="never" nodeType="tmRoot"/>
+        <p:cTn id="1" dur="indefinite" restart="never" nodeType="tmRoot"/>
       </p:par>
     </p:tnLst>
   </p:timing>
@@ -5406,16 +5419,24 @@
               <a:t>UI is used by </a:t>
             </a:r>
             <a:r>
+              <a:rPr lang="en-US" dirty="0"/>
+              <a:t>2000</a:t>
+            </a:r>
+            <a:r>
               <a:rPr lang="en-US" dirty="0" smtClean="0">
                 <a:solidFill>
                   <a:srgbClr val="FFFF00"/>
                 </a:solidFill>
               </a:rPr>
-              <a:t>xx</a:t>
+              <a:t> </a:t>
             </a:r>
             <a:r>
               <a:rPr lang="en-US" dirty="0" smtClean="0"/>
-              <a:t> lenders, ranging from small to large.</a:t>
+              <a:t>lenders</a:t>
+            </a:r>
+            <a:r>
+              <a:rPr lang="en-US" dirty="0" smtClean="0"/>
+              <a:t>, ranging from small to large.</a:t>
             </a:r>
           </a:p>
           <a:p>
@@ -5425,19 +5446,11 @@
             </a:pPr>
             <a:r>
               <a:rPr lang="en-US" dirty="0" smtClean="0"/>
-              <a:t>About </a:t>
-            </a:r>
-            <a:r>
-              <a:rPr lang="en-US" dirty="0" smtClean="0">
-                <a:solidFill>
-                  <a:srgbClr val="FFFF00"/>
-                </a:solidFill>
-              </a:rPr>
-              <a:t>xx</a:t>
+              <a:t>Many lenders </a:t>
             </a:r>
             <a:r>
               <a:rPr lang="en-US" dirty="0" smtClean="0"/>
-              <a:t> lenders use the UI exclusively to add loans and deliver </a:t>
+              <a:t>use the UI exclusively to add loans and deliver </a:t>
             </a:r>
           </a:p>
           <a:p>
@@ -5608,7 +5621,7 @@
   <p:timing>
     <p:tnLst>
       <p:par>
-        <p:cTn xmlns:p14="http://schemas.microsoft.com/office/powerpoint/2010/main" id="1" dur="indefinite" restart="never" nodeType="tmRoot"/>
+        <p:cTn id="1" dur="indefinite" restart="never" nodeType="tmRoot"/>
       </p:par>
     </p:tnLst>
   </p:timing>
@@ -5815,7 +5828,7 @@
   <p:timing>
     <p:tnLst>
       <p:par>
-        <p:cTn xmlns:p14="http://schemas.microsoft.com/office/powerpoint/2010/main" id="1" dur="indefinite" restart="never" nodeType="tmRoot"/>
+        <p:cTn id="1" dur="indefinite" restart="never" nodeType="tmRoot"/>
       </p:par>
     </p:tnLst>
   </p:timing>
@@ -6025,7 +6038,7 @@
         </p:nvGraphicFramePr>
         <p:xfrm>
           <a:off x="376090" y="1476402"/>
-          <a:ext cx="11485710" cy="5943598"/>
+          <a:ext cx="11485710" cy="5943600"/>
         </p:xfrm>
         <a:graphic>
           <a:graphicData uri="http://schemas.openxmlformats.org/drawingml/2006/table">
@@ -6094,13 +6107,8 @@
                       </a:pPr>
                       <a:r>
                         <a:rPr lang="en-US" sz="1400" dirty="0" smtClean="0"/>
-                        <a:t>A “full” </a:t>
+                        <a:t>A “full” framework</a:t>
                       </a:r>
-                      <a:r>
-                        <a:rPr lang="en-US" sz="1400" dirty="0" smtClean="0"/>
-                        <a:t>framework</a:t>
-                      </a:r>
-                      <a:endParaRPr lang="en-US" sz="1400" dirty="0" smtClean="0"/>
                     </a:p>
                     <a:p>
                       <a:pPr marL="285750" indent="-285750">
@@ -6695,7 +6703,7 @@
           <a:noFill/>
           <a:extLst>
             <a:ext uri="{909E8E84-426E-40dd-AFC4-6F175D3DCCD1}">
-              <a14:hiddenFill xmlns:a14="http://schemas.microsoft.com/office/drawing/2010/main">
+              <a14:hiddenFill xmlns:a14="http://schemas.microsoft.com/office/drawing/2010/main" xmlns="">
                 <a:solidFill>
                   <a:srgbClr val="FFFFFF"/>
                 </a:solidFill>
@@ -6741,7 +6749,7 @@
   <p:timing>
     <p:tnLst>
       <p:par>
-        <p:cTn xmlns:p14="http://schemas.microsoft.com/office/powerpoint/2010/main" id="1" dur="indefinite" restart="never" nodeType="tmRoot"/>
+        <p:cTn id="1" dur="indefinite" restart="never" nodeType="tmRoot"/>
       </p:par>
     </p:tnLst>
   </p:timing>
@@ -6814,13 +6822,8 @@
             </a:pPr>
             <a:r>
               <a:rPr lang="en-US" dirty="0" smtClean="0"/>
-              <a:t>Evaluate/</a:t>
-            </a:r>
-            <a:r>
-              <a:rPr lang="en-US" dirty="0" smtClean="0"/>
-              <a:t>Prototype</a:t>
-            </a:r>
-            <a:endParaRPr lang="en-US" dirty="0" smtClean="0"/>
+              <a:t>Evaluate/Prototype</a:t>
+            </a:r>
           </a:p>
           <a:p>
             <a:pPr marL="742950" lvl="1" indent="-285750">
@@ -6849,15 +6852,11 @@
             </a:pPr>
             <a:r>
               <a:rPr lang="en-US" dirty="0" smtClean="0"/>
-              <a:t>Switched to </a:t>
-            </a:r>
-            <a:r>
-              <a:rPr lang="en-US" dirty="0" err="1" smtClean="0"/>
-              <a:t>IntelliJ</a:t>
+              <a:t>Switched to IntelliJ, which has great Angular </a:t>
             </a:r>
             <a:r>
               <a:rPr lang="en-US" dirty="0" smtClean="0"/>
-              <a:t>, which has great Angular support</a:t>
+              <a:t>support. Visual Studio Code also has Angular support.</a:t>
             </a:r>
             <a:endParaRPr lang="en-US" dirty="0"/>
           </a:p>
@@ -6877,7 +6876,6 @@
               <a:rPr lang="en-US" dirty="0" smtClean="0"/>
               <a:t>Introduce </a:t>
             </a:r>
-            <a:endParaRPr lang="en-US" dirty="0" smtClean="0"/>
           </a:p>
           <a:p>
             <a:pPr marL="742950" lvl="1" indent="-285750">
@@ -6886,11 +6884,7 @@
             </a:pPr>
             <a:r>
               <a:rPr lang="en-US" dirty="0" smtClean="0"/>
-              <a:t>New </a:t>
-            </a:r>
-            <a:r>
-              <a:rPr lang="en-US" dirty="0" smtClean="0"/>
-              <a:t>Loan Delivery functionality (</a:t>
+              <a:t>New Loan Delivery functionality (</a:t>
             </a:r>
             <a:r>
               <a:rPr lang="en-US" dirty="0" err="1" smtClean="0"/>
@@ -6898,7 +6892,15 @@
             </a:r>
             <a:r>
               <a:rPr lang="en-US" dirty="0" smtClean="0"/>
-              <a:t> and ASAP Plus) will be developed with Angular 2, with the same Look and Feel</a:t>
+              <a:t> and </a:t>
+            </a:r>
+            <a:r>
+              <a:rPr lang="en-US" dirty="0" smtClean="0"/>
+              <a:t>Early Funding) </a:t>
+            </a:r>
+            <a:r>
+              <a:rPr lang="en-US" dirty="0" smtClean="0"/>
+              <a:t>will be developed with Angular 2, with the same Look and Feel</a:t>
             </a:r>
           </a:p>
           <a:p>
@@ -6912,9 +6914,17 @@
             </a:r>
             <a:r>
               <a:rPr lang="en-US" dirty="0" smtClean="0"/>
-              <a:t>team</a:t>
-            </a:r>
-            <a:endParaRPr lang="en-US" dirty="0"/>
+              <a:t>team and 2 other </a:t>
+            </a:r>
+            <a:r>
+              <a:rPr lang="en-US" dirty="0" smtClean="0"/>
+              <a:t>teams </a:t>
+            </a:r>
+            <a:r>
+              <a:rPr lang="en-US" dirty="0" smtClean="0"/>
+              <a:t>started very next Sprint.</a:t>
+            </a:r>
+            <a:endParaRPr lang="en-US" dirty="0" smtClean="0"/>
           </a:p>
           <a:p>
             <a:pPr marL="742950" lvl="1" indent="-285750">
@@ -6923,31 +6933,22 @@
             </a:pPr>
             <a:r>
               <a:rPr lang="en-US" dirty="0" smtClean="0"/>
-              <a:t>Other teams </a:t>
+              <a:t>Both new developers and backend developers picked up quickly and contributed</a:t>
             </a:r>
             <a:r>
               <a:rPr lang="en-US" dirty="0" smtClean="0"/>
-              <a:t>picked </a:t>
-            </a:r>
+              <a:t>.</a:t>
+            </a:r>
+          </a:p>
+          <a:p>
+            <a:pPr marL="742950" lvl="1" indent="-285750">
+              <a:buFont typeface="Arial" panose="020B0604020202020204" pitchFamily="34" charset="0"/>
+              <a:buChar char="•"/>
+            </a:pPr>
             <a:r>
               <a:rPr lang="en-US" dirty="0"/>
-              <a:t>up </a:t>
-            </a:r>
-            <a:r>
-              <a:rPr lang="en-US" dirty="0" smtClean="0"/>
-              <a:t>quick</a:t>
-            </a:r>
-          </a:p>
-          <a:p>
-            <a:pPr marL="742950" lvl="1" indent="-285750">
-              <a:buFont typeface="Arial" panose="020B0604020202020204" pitchFamily="34" charset="0"/>
-              <a:buChar char="•"/>
-            </a:pPr>
-            <a:r>
-              <a:rPr lang="en-US" dirty="0" smtClean="0"/>
-              <a:t>Both new developers and backend developers picked up quickly and contributed.</a:t>
-            </a:r>
-            <a:endParaRPr lang="en-US" dirty="0"/>
+              <a:t>Angular code is built, tested and deployed with CI/CD. Some days we have 5 builds to dev.</a:t>
+            </a:r>
           </a:p>
           <a:p>
             <a:pPr lvl="1" indent="0">
@@ -6973,21 +6974,6 @@
             </a:pPr>
             <a:r>
               <a:rPr lang="en-US" dirty="0" smtClean="0"/>
-              <a:t>Angular </a:t>
-            </a:r>
-            <a:r>
-              <a:rPr lang="en-US" dirty="0" smtClean="0"/>
-              <a:t>code is built, tested and deployed with CI/CD. Some days we have 5 builds to dev.</a:t>
-            </a:r>
-            <a:endParaRPr lang="en-US" dirty="0"/>
-          </a:p>
-          <a:p>
-            <a:pPr marL="742950" lvl="1" indent="-285750">
-              <a:buFont typeface="Arial" panose="020B0604020202020204" pitchFamily="34" charset="0"/>
-              <a:buChar char="•"/>
-            </a:pPr>
-            <a:r>
-              <a:rPr lang="en-US" dirty="0" smtClean="0"/>
               <a:t>Loan </a:t>
             </a:r>
             <a:r>
@@ -7006,6 +6992,17 @@
               <a:rPr lang="en-US" dirty="0" smtClean="0"/>
               <a:t>2</a:t>
             </a:r>
+          </a:p>
+          <a:p>
+            <a:pPr marL="742950" lvl="1" indent="-285750">
+              <a:buFont typeface="Arial" panose="020B0604020202020204" pitchFamily="34" charset="0"/>
+              <a:buChar char="•"/>
+            </a:pPr>
+            <a:r>
+              <a:rPr lang="en-US" dirty="0" smtClean="0"/>
+              <a:t>All teams working on Angular </a:t>
+            </a:r>
+            <a:endParaRPr lang="en-US" dirty="0" smtClean="0"/>
           </a:p>
           <a:p>
             <a:pPr marL="285750" indent="-285750">
@@ -7102,7 +7099,7 @@
   <p:timing>
     <p:tnLst>
       <p:par>
-        <p:cTn xmlns:p14="http://schemas.microsoft.com/office/powerpoint/2010/main" id="1" dur="indefinite" restart="never" nodeType="tmRoot"/>
+        <p:cTn id="1" dur="indefinite" restart="never" nodeType="tmRoot"/>
       </p:par>
     </p:tnLst>
   </p:timing>
@@ -7110,6 +7107,464 @@
 </file>
 
 <file path=ppt/slides/slide8.xml><?xml version="1.0" encoding="utf-8"?>
+<p:sld xmlns:a="http://schemas.openxmlformats.org/drawingml/2006/main" xmlns:r="http://schemas.openxmlformats.org/officeDocument/2006/relationships" xmlns:p="http://schemas.openxmlformats.org/presentationml/2006/main">
+  <p:cSld>
+    <p:bg>
+      <p:bgPr>
+        <a:solidFill>
+          <a:schemeClr val="tx2"/>
+        </a:solidFill>
+        <a:effectLst/>
+      </p:bgPr>
+    </p:bg>
+    <p:spTree>
+      <p:nvGrpSpPr>
+        <p:cNvPr id="1" name=""/>
+        <p:cNvGrpSpPr/>
+        <p:nvPr/>
+      </p:nvGrpSpPr>
+      <p:grpSpPr>
+        <a:xfrm>
+          <a:off x="0" y="0"/>
+          <a:ext cx="0" cy="0"/>
+          <a:chOff x="0" y="0"/>
+          <a:chExt cx="0" cy="0"/>
+        </a:xfrm>
+      </p:grpSpPr>
+      <p:sp>
+        <p:nvSpPr>
+          <p:cNvPr id="2" name="Title 1"/>
+          <p:cNvSpPr>
+            <a:spLocks noGrp="1"/>
+          </p:cNvSpPr>
+          <p:nvPr>
+            <p:ph type="title"/>
+          </p:nvPr>
+        </p:nvSpPr>
+        <p:spPr/>
+        <p:txBody>
+          <a:bodyPr/>
+          <a:lstStyle/>
+          <a:p>
+            <a:r>
+              <a:rPr lang="en-US" dirty="0"/>
+              <a:t>Angular with TDD</a:t>
+            </a:r>
+          </a:p>
+        </p:txBody>
+      </p:sp>
+      <p:sp>
+        <p:nvSpPr>
+          <p:cNvPr id="5" name="Rectangle 4"/>
+          <p:cNvSpPr/>
+          <p:nvPr/>
+        </p:nvSpPr>
+        <p:spPr>
+          <a:xfrm>
+            <a:off x="299772" y="1571449"/>
+            <a:ext cx="11530584" cy="3647152"/>
+          </a:xfrm>
+          <a:prstGeom prst="rect">
+            <a:avLst/>
+          </a:prstGeom>
+        </p:spPr>
+        <p:txBody>
+          <a:bodyPr wrap="square">
+            <a:spAutoFit/>
+          </a:bodyPr>
+          <a:lstStyle/>
+          <a:p>
+            <a:pPr marL="285750" indent="-285750">
+              <a:buFont typeface="Arial" panose="020B0604020202020204" pitchFamily="34" charset="0"/>
+              <a:buChar char="•"/>
+            </a:pPr>
+            <a:r>
+              <a:rPr lang="en-US" sz="1650" dirty="0" smtClean="0">
+                <a:solidFill>
+                  <a:schemeClr val="bg1"/>
+                </a:solidFill>
+                <a:latin typeface="Georgia" panose="02040502050405020303" pitchFamily="18" charset="0"/>
+              </a:rPr>
+              <a:t>Test Driven Development (TDD)</a:t>
+            </a:r>
+          </a:p>
+          <a:p>
+            <a:pPr marL="742950" lvl="1" indent="-285750">
+              <a:buFont typeface="Arial" panose="020B0604020202020204" pitchFamily="34" charset="0"/>
+              <a:buChar char="•"/>
+            </a:pPr>
+            <a:r>
+              <a:rPr lang="en-US" sz="1650" dirty="0">
+                <a:solidFill>
+                  <a:schemeClr val="bg1"/>
+                </a:solidFill>
+                <a:latin typeface="Georgia" panose="02040502050405020303" pitchFamily="18" charset="0"/>
+              </a:rPr>
+              <a:t>Better Code Quality </a:t>
+            </a:r>
+            <a:endParaRPr lang="en-US" sz="1650" dirty="0" smtClean="0">
+              <a:solidFill>
+                <a:schemeClr val="bg1"/>
+              </a:solidFill>
+              <a:latin typeface="Georgia" panose="02040502050405020303" pitchFamily="18" charset="0"/>
+            </a:endParaRPr>
+          </a:p>
+          <a:p>
+            <a:pPr marL="742950" lvl="1" indent="-285750">
+              <a:buFont typeface="Arial" panose="020B0604020202020204" pitchFamily="34" charset="0"/>
+              <a:buChar char="•"/>
+            </a:pPr>
+            <a:r>
+              <a:rPr lang="en-US" sz="1650" dirty="0">
+                <a:solidFill>
+                  <a:schemeClr val="bg1"/>
+                </a:solidFill>
+                <a:latin typeface="Georgia" panose="02040502050405020303" pitchFamily="18" charset="0"/>
+              </a:rPr>
+              <a:t>Easy/Safer Refactoring </a:t>
+            </a:r>
+            <a:endParaRPr lang="en-US" sz="1650" dirty="0" smtClean="0">
+              <a:solidFill>
+                <a:schemeClr val="bg1"/>
+              </a:solidFill>
+              <a:latin typeface="Georgia" panose="02040502050405020303" pitchFamily="18" charset="0"/>
+            </a:endParaRPr>
+          </a:p>
+          <a:p>
+            <a:pPr marL="742950" lvl="1" indent="-285750">
+              <a:buFont typeface="Arial" panose="020B0604020202020204" pitchFamily="34" charset="0"/>
+              <a:buChar char="•"/>
+            </a:pPr>
+            <a:r>
+              <a:rPr lang="en-US" sz="1650" dirty="0">
+                <a:solidFill>
+                  <a:schemeClr val="bg1"/>
+                </a:solidFill>
+                <a:latin typeface="Georgia" panose="02040502050405020303" pitchFamily="18" charset="0"/>
+              </a:rPr>
+              <a:t>Living </a:t>
+            </a:r>
+            <a:r>
+              <a:rPr lang="en-US" sz="1650" dirty="0" smtClean="0">
+                <a:solidFill>
+                  <a:schemeClr val="bg1"/>
+                </a:solidFill>
+                <a:latin typeface="Georgia" panose="02040502050405020303" pitchFamily="18" charset="0"/>
+              </a:rPr>
+              <a:t>Documentation</a:t>
+            </a:r>
+            <a:br>
+              <a:rPr lang="en-US" sz="1650" dirty="0" smtClean="0">
+                <a:solidFill>
+                  <a:schemeClr val="bg1"/>
+                </a:solidFill>
+                <a:latin typeface="Georgia" panose="02040502050405020303" pitchFamily="18" charset="0"/>
+              </a:rPr>
+            </a:br>
+            <a:endParaRPr lang="en-US" sz="1650" dirty="0" smtClean="0">
+              <a:solidFill>
+                <a:schemeClr val="bg1"/>
+              </a:solidFill>
+              <a:latin typeface="Georgia" panose="02040502050405020303" pitchFamily="18" charset="0"/>
+            </a:endParaRPr>
+          </a:p>
+          <a:p>
+            <a:pPr marL="285750" indent="-285750">
+              <a:buFont typeface="Arial" panose="020B0604020202020204" pitchFamily="34" charset="0"/>
+              <a:buChar char="•"/>
+            </a:pPr>
+            <a:r>
+              <a:rPr lang="en-US" sz="1650" dirty="0">
+                <a:solidFill>
+                  <a:schemeClr val="bg1"/>
+                </a:solidFill>
+                <a:latin typeface="Georgia" panose="02040502050405020303" pitchFamily="18" charset="0"/>
+              </a:rPr>
+              <a:t>Tools and Technologies </a:t>
+            </a:r>
+            <a:endParaRPr lang="en-US" sz="1650" dirty="0" smtClean="0">
+              <a:solidFill>
+                <a:schemeClr val="bg1"/>
+              </a:solidFill>
+              <a:latin typeface="Georgia" panose="02040502050405020303" pitchFamily="18" charset="0"/>
+            </a:endParaRPr>
+          </a:p>
+          <a:p>
+            <a:pPr marL="742950" lvl="1" indent="-285750">
+              <a:buFont typeface="Arial" panose="020B0604020202020204" pitchFamily="34" charset="0"/>
+              <a:buChar char="•"/>
+            </a:pPr>
+            <a:r>
+              <a:rPr lang="en-US" sz="1650" dirty="0">
+                <a:solidFill>
+                  <a:schemeClr val="bg1"/>
+                </a:solidFill>
+                <a:latin typeface="Georgia" panose="02040502050405020303" pitchFamily="18" charset="0"/>
+              </a:rPr>
+              <a:t>Angular testing utilities </a:t>
+            </a:r>
+            <a:endParaRPr lang="en-US" sz="1650" dirty="0" smtClean="0">
+              <a:solidFill>
+                <a:schemeClr val="bg1"/>
+              </a:solidFill>
+              <a:latin typeface="Georgia" panose="02040502050405020303" pitchFamily="18" charset="0"/>
+            </a:endParaRPr>
+          </a:p>
+          <a:p>
+            <a:pPr lvl="1"/>
+            <a:r>
+              <a:rPr lang="en-US" sz="1650" dirty="0">
+                <a:solidFill>
+                  <a:schemeClr val="bg1"/>
+                </a:solidFill>
+                <a:latin typeface="Georgia" panose="02040502050405020303" pitchFamily="18" charset="0"/>
+              </a:rPr>
+              <a:t> </a:t>
+            </a:r>
+            <a:r>
+              <a:rPr lang="en-US" sz="1650" dirty="0" smtClean="0">
+                <a:solidFill>
+                  <a:schemeClr val="bg1"/>
+                </a:solidFill>
+                <a:latin typeface="Georgia" panose="02040502050405020303" pitchFamily="18" charset="0"/>
+              </a:rPr>
+              <a:t>   - provide </a:t>
+            </a:r>
+            <a:r>
+              <a:rPr lang="en-US" sz="1650" dirty="0">
+                <a:solidFill>
+                  <a:schemeClr val="bg1"/>
+                </a:solidFill>
+                <a:latin typeface="Georgia" panose="02040502050405020303" pitchFamily="18" charset="0"/>
+              </a:rPr>
+              <a:t>test environment for the code under test</a:t>
+            </a:r>
+            <a:endParaRPr lang="en-US" sz="1650" dirty="0" smtClean="0">
+              <a:solidFill>
+                <a:schemeClr val="bg1"/>
+              </a:solidFill>
+              <a:latin typeface="Georgia" panose="02040502050405020303" pitchFamily="18" charset="0"/>
+            </a:endParaRPr>
+          </a:p>
+          <a:p>
+            <a:pPr marL="742950" lvl="1" indent="-285750">
+              <a:buFont typeface="Arial" panose="020B0604020202020204" pitchFamily="34" charset="0"/>
+              <a:buChar char="•"/>
+            </a:pPr>
+            <a:r>
+              <a:rPr lang="en-US" sz="1650" dirty="0">
+                <a:solidFill>
+                  <a:schemeClr val="bg1"/>
+                </a:solidFill>
+                <a:latin typeface="Georgia" panose="02040502050405020303" pitchFamily="18" charset="0"/>
+              </a:rPr>
+              <a:t>Jasmine </a:t>
+            </a:r>
+          </a:p>
+          <a:p>
+            <a:pPr lvl="1"/>
+            <a:r>
+              <a:rPr lang="en-US" sz="1650" dirty="0" smtClean="0">
+                <a:solidFill>
+                  <a:schemeClr val="bg1"/>
+                </a:solidFill>
+                <a:latin typeface="Georgia" panose="02040502050405020303" pitchFamily="18" charset="0"/>
+              </a:rPr>
+              <a:t>    - unit </a:t>
+            </a:r>
+            <a:r>
+              <a:rPr lang="en-US" sz="1650" dirty="0">
+                <a:solidFill>
+                  <a:schemeClr val="bg1"/>
+                </a:solidFill>
+                <a:latin typeface="Georgia" panose="02040502050405020303" pitchFamily="18" charset="0"/>
+              </a:rPr>
+              <a:t>test framework for </a:t>
+            </a:r>
+            <a:r>
+              <a:rPr lang="en-US" sz="1650" dirty="0" err="1">
+                <a:solidFill>
+                  <a:schemeClr val="bg1"/>
+                </a:solidFill>
+                <a:latin typeface="Georgia" panose="02040502050405020303" pitchFamily="18" charset="0"/>
+              </a:rPr>
+              <a:t>Javascript</a:t>
+            </a:r>
+            <a:endParaRPr lang="en-US" sz="1650" dirty="0" smtClean="0">
+              <a:solidFill>
+                <a:schemeClr val="bg1"/>
+              </a:solidFill>
+              <a:latin typeface="Georgia" panose="02040502050405020303" pitchFamily="18" charset="0"/>
+            </a:endParaRPr>
+          </a:p>
+          <a:p>
+            <a:pPr marL="742950" lvl="1" indent="-285750">
+              <a:buFont typeface="Arial" panose="020B0604020202020204" pitchFamily="34" charset="0"/>
+              <a:buChar char="•"/>
+            </a:pPr>
+            <a:r>
+              <a:rPr lang="en-US" sz="1650" dirty="0" err="1" smtClean="0">
+                <a:solidFill>
+                  <a:schemeClr val="bg1"/>
+                </a:solidFill>
+                <a:latin typeface="Georgia" panose="02040502050405020303" pitchFamily="18" charset="0"/>
+              </a:rPr>
+              <a:t>Karmar</a:t>
+            </a:r>
+            <a:endParaRPr lang="en-US" sz="1650" dirty="0">
+              <a:solidFill>
+                <a:schemeClr val="bg1"/>
+              </a:solidFill>
+              <a:latin typeface="Georgia" panose="02040502050405020303" pitchFamily="18" charset="0"/>
+            </a:endParaRPr>
+          </a:p>
+          <a:p>
+            <a:pPr lvl="1"/>
+            <a:r>
+              <a:rPr lang="en-US" sz="1650" dirty="0" smtClean="0">
+                <a:solidFill>
+                  <a:schemeClr val="bg1"/>
+                </a:solidFill>
+                <a:latin typeface="Georgia" panose="02040502050405020303" pitchFamily="18" charset="0"/>
+              </a:rPr>
+              <a:t>    - test runner</a:t>
+            </a:r>
+          </a:p>
+          <a:p>
+            <a:pPr marL="742950" lvl="1" indent="-285750">
+              <a:buFont typeface="Arial" panose="020B0604020202020204" pitchFamily="34" charset="0"/>
+              <a:buChar char="•"/>
+            </a:pPr>
+            <a:r>
+              <a:rPr lang="en-US" sz="1650" dirty="0" smtClean="0">
+                <a:solidFill>
+                  <a:schemeClr val="bg1"/>
+                </a:solidFill>
+                <a:latin typeface="Georgia" panose="02040502050405020303" pitchFamily="18" charset="0"/>
+              </a:rPr>
+              <a:t>Selenium/Protractor </a:t>
+            </a:r>
+          </a:p>
+          <a:p>
+            <a:pPr lvl="1"/>
+            <a:r>
+              <a:rPr lang="en-US" sz="1650" dirty="0">
+                <a:solidFill>
+                  <a:schemeClr val="bg1"/>
+                </a:solidFill>
+                <a:latin typeface="Georgia" panose="02040502050405020303" pitchFamily="18" charset="0"/>
+              </a:rPr>
+              <a:t> </a:t>
+            </a:r>
+            <a:r>
+              <a:rPr lang="en-US" sz="1650" dirty="0" smtClean="0">
+                <a:solidFill>
+                  <a:schemeClr val="bg1"/>
+                </a:solidFill>
+                <a:latin typeface="Georgia" panose="02040502050405020303" pitchFamily="18" charset="0"/>
+              </a:rPr>
+              <a:t>   - write </a:t>
+            </a:r>
+            <a:r>
+              <a:rPr lang="en-US" sz="1650" dirty="0">
+                <a:solidFill>
+                  <a:schemeClr val="bg1"/>
+                </a:solidFill>
+                <a:latin typeface="Georgia" panose="02040502050405020303" pitchFamily="18" charset="0"/>
+              </a:rPr>
+              <a:t>and run end-to-end (e2e) </a:t>
+            </a:r>
+            <a:r>
+              <a:rPr lang="en-US" sz="1650" dirty="0" smtClean="0">
+                <a:solidFill>
+                  <a:schemeClr val="bg1"/>
+                </a:solidFill>
+                <a:latin typeface="Georgia" panose="02040502050405020303" pitchFamily="18" charset="0"/>
+              </a:rPr>
+              <a:t>tests</a:t>
+            </a:r>
+            <a:endParaRPr lang="en-US" sz="1650" dirty="0">
+              <a:solidFill>
+                <a:schemeClr val="bg1"/>
+              </a:solidFill>
+              <a:latin typeface="Georgia" panose="02040502050405020303" pitchFamily="18" charset="0"/>
+            </a:endParaRPr>
+          </a:p>
+        </p:txBody>
+      </p:sp>
+      <p:graphicFrame>
+        <p:nvGraphicFramePr>
+          <p:cNvPr id="6" name="Chart 5"/>
+          <p:cNvGraphicFramePr>
+            <a:graphicFrameLocks/>
+          </p:cNvGraphicFramePr>
+          <p:nvPr>
+            <p:extLst/>
+          </p:nvPr>
+        </p:nvGraphicFramePr>
+        <p:xfrm>
+          <a:off x="6349070" y="1737360"/>
+          <a:ext cx="5481286" cy="3605981"/>
+        </p:xfrm>
+        <a:graphic>
+          <a:graphicData uri="http://schemas.openxmlformats.org/drawingml/2006/chart">
+            <c:chart xmlns:c="http://schemas.openxmlformats.org/drawingml/2006/chart" xmlns:r="http://schemas.openxmlformats.org/officeDocument/2006/relationships" r:id="rId3"/>
+          </a:graphicData>
+        </a:graphic>
+      </p:graphicFrame>
+      <p:sp>
+        <p:nvSpPr>
+          <p:cNvPr id="8" name="Rectangle 7"/>
+          <p:cNvSpPr/>
+          <p:nvPr/>
+        </p:nvSpPr>
+        <p:spPr>
+          <a:xfrm>
+            <a:off x="7856042" y="1202117"/>
+            <a:ext cx="2467342" cy="369332"/>
+          </a:xfrm>
+          <a:prstGeom prst="rect">
+            <a:avLst/>
+          </a:prstGeom>
+        </p:spPr>
+        <p:txBody>
+          <a:bodyPr wrap="none">
+            <a:spAutoFit/>
+          </a:bodyPr>
+          <a:lstStyle/>
+          <a:p>
+            <a:r>
+              <a:rPr lang="en-US" dirty="0">
+                <a:solidFill>
+                  <a:schemeClr val="bg1"/>
+                </a:solidFill>
+              </a:rPr>
+              <a:t>Code coverage – 80%</a:t>
+            </a:r>
+          </a:p>
+        </p:txBody>
+      </p:sp>
+    </p:spTree>
+    <p:extLst>
+      <p:ext uri="{BB962C8B-B14F-4D97-AF65-F5344CB8AC3E}">
+        <p14:creationId xmlns:p14="http://schemas.microsoft.com/office/powerpoint/2010/main" val="2640770864"/>
+      </p:ext>
+    </p:extLst>
+  </p:cSld>
+  <p:clrMapOvr>
+    <a:overrideClrMapping bg1="lt1" tx1="dk1" bg2="lt2" tx2="dk2" accent1="accent1" accent2="accent2" accent3="accent3" accent4="accent4" accent5="accent5" accent6="accent6" hlink="hlink" folHlink="folHlink"/>
+  </p:clrMapOvr>
+  <p:timing>
+    <p:tnLst>
+      <p:par>
+        <p:cTn id="1" dur="indefinite" restart="never" nodeType="tmRoot"/>
+      </p:par>
+    </p:tnLst>
+  </p:timing>
+</p:sld>
+</file>
+
+<file path=ppt/slides/slide9.xml><?xml version="1.0" encoding="utf-8"?>
 <p:sld xmlns:a="http://schemas.openxmlformats.org/drawingml/2006/main" xmlns:r="http://schemas.openxmlformats.org/officeDocument/2006/relationships" xmlns:p="http://schemas.openxmlformats.org/presentationml/2006/main">
   <p:cSld>
     <p:spTree>
@@ -7142,55 +7597,437 @@
           <a:lstStyle/>
           <a:p>
             <a:r>
-              <a:rPr lang="en-US" dirty="0" smtClean="0"/>
-              <a:t>Testability</a:t>
-            </a:r>
-            <a:br>
-              <a:rPr lang="en-US" dirty="0" smtClean="0"/>
-            </a:br>
-            <a:r>
-              <a:rPr lang="en-US" dirty="0" smtClean="0"/>
-              <a:t> </a:t>
-            </a:r>
-            <a:br>
-              <a:rPr lang="en-US" dirty="0" smtClean="0"/>
-            </a:br>
-            <a:r>
-              <a:rPr lang="en-US" sz="1800" dirty="0" smtClean="0"/>
-              <a:t>Code coverage – 80%</a:t>
-            </a:r>
-            <a:endParaRPr lang="en-US" sz="1800" dirty="0"/>
+              <a:rPr lang="en-US" dirty="0"/>
+              <a:t>Angular Unit Test Pyramid</a:t>
+            </a:r>
           </a:p>
         </p:txBody>
       </p:sp>
-      <p:graphicFrame>
-        <p:nvGraphicFramePr>
-          <p:cNvPr id="11" name="Chart 10"/>
-          <p:cNvGraphicFramePr>
-            <a:graphicFrameLocks/>
-          </p:cNvGraphicFramePr>
-          <p:nvPr>
-            <p:extLst>
-              <p:ext uri="{D42A27DB-BD31-4B8C-83A1-F6EECF244321}">
-                <p14:modId xmlns:p14="http://schemas.microsoft.com/office/powerpoint/2010/main" val="1974720921"/>
-              </p:ext>
-            </p:extLst>
-          </p:nvPr>
-        </p:nvGraphicFramePr>
-        <p:xfrm>
-          <a:off x="3085510" y="2558599"/>
-          <a:ext cx="6091084" cy="3605981"/>
-        </p:xfrm>
-        <a:graphic>
-          <a:graphicData uri="http://schemas.openxmlformats.org/drawingml/2006/chart">
-            <c:chart xmlns:c="http://schemas.openxmlformats.org/drawingml/2006/chart" xmlns:r="http://schemas.openxmlformats.org/officeDocument/2006/relationships" r:id="rId3"/>
-          </a:graphicData>
-        </a:graphic>
-      </p:graphicFrame>
+      <p:sp>
+        <p:nvSpPr>
+          <p:cNvPr id="5" name="Rectangle 4"/>
+          <p:cNvSpPr/>
+          <p:nvPr/>
+        </p:nvSpPr>
+        <p:spPr>
+          <a:xfrm>
+            <a:off x="299772" y="1571449"/>
+            <a:ext cx="11530584" cy="3901068"/>
+          </a:xfrm>
+          <a:prstGeom prst="rect">
+            <a:avLst/>
+          </a:prstGeom>
+        </p:spPr>
+        <p:txBody>
+          <a:bodyPr wrap="square">
+            <a:spAutoFit/>
+          </a:bodyPr>
+          <a:lstStyle/>
+          <a:p>
+            <a:pPr marL="285750" indent="-285750">
+              <a:buFont typeface="Arial" panose="020B0604020202020204" pitchFamily="34" charset="0"/>
+              <a:buChar char="•"/>
+            </a:pPr>
+            <a:r>
+              <a:rPr lang="en-US" sz="1650" dirty="0">
+                <a:solidFill>
+                  <a:schemeClr val="bg1"/>
+                </a:solidFill>
+                <a:latin typeface="Georgia" panose="02040502050405020303" pitchFamily="18" charset="0"/>
+              </a:rPr>
+              <a:t>Isolation Tests </a:t>
+            </a:r>
+            <a:endParaRPr lang="en-US" sz="1650" dirty="0" smtClean="0">
+              <a:solidFill>
+                <a:schemeClr val="bg1"/>
+              </a:solidFill>
+              <a:latin typeface="Georgia" panose="02040502050405020303" pitchFamily="18" charset="0"/>
+            </a:endParaRPr>
+          </a:p>
+          <a:p>
+            <a:pPr marL="742950" lvl="1" indent="-285750">
+              <a:buFont typeface="Arial" panose="020B0604020202020204" pitchFamily="34" charset="0"/>
+              <a:buChar char="•"/>
+            </a:pPr>
+            <a:r>
+              <a:rPr lang="en-US" sz="1650" dirty="0" smtClean="0">
+                <a:solidFill>
+                  <a:schemeClr val="bg1"/>
+                </a:solidFill>
+                <a:latin typeface="Georgia" panose="02040502050405020303" pitchFamily="18" charset="0"/>
+              </a:rPr>
+              <a:t>Test </a:t>
+            </a:r>
+            <a:r>
+              <a:rPr lang="en-US" sz="1650" dirty="0">
+                <a:solidFill>
+                  <a:schemeClr val="bg1"/>
+                </a:solidFill>
+                <a:latin typeface="Georgia" panose="02040502050405020303" pitchFamily="18" charset="0"/>
+              </a:rPr>
+              <a:t>logic only </a:t>
+            </a:r>
+            <a:endParaRPr lang="en-US" sz="1650" dirty="0" smtClean="0">
+              <a:solidFill>
+                <a:schemeClr val="bg1"/>
+              </a:solidFill>
+              <a:latin typeface="Georgia" panose="02040502050405020303" pitchFamily="18" charset="0"/>
+            </a:endParaRPr>
+          </a:p>
+          <a:p>
+            <a:pPr marL="742950" lvl="1" indent="-285750">
+              <a:buFont typeface="Arial" panose="020B0604020202020204" pitchFamily="34" charset="0"/>
+              <a:buChar char="•"/>
+            </a:pPr>
+            <a:r>
+              <a:rPr lang="en-US" sz="1650" dirty="0">
+                <a:solidFill>
+                  <a:schemeClr val="bg1"/>
+                </a:solidFill>
+                <a:latin typeface="Georgia" panose="02040502050405020303" pitchFamily="18" charset="0"/>
+              </a:rPr>
+              <a:t>No DOM, all dependencies mocked, </a:t>
+            </a:r>
+            <a:r>
+              <a:rPr lang="en-US" sz="1650" dirty="0" smtClean="0">
+                <a:solidFill>
+                  <a:schemeClr val="bg1"/>
+                </a:solidFill>
+                <a:latin typeface="Georgia" panose="02040502050405020303" pitchFamily="18" charset="0"/>
+              </a:rPr>
+              <a:t>plain </a:t>
+            </a:r>
+            <a:r>
+              <a:rPr lang="en-US" sz="1650" dirty="0">
+                <a:solidFill>
+                  <a:schemeClr val="bg1"/>
+                </a:solidFill>
+                <a:latin typeface="Georgia" panose="02040502050405020303" pitchFamily="18" charset="0"/>
+              </a:rPr>
+              <a:t>old </a:t>
+            </a:r>
+            <a:r>
+              <a:rPr lang="en-US" sz="1650" dirty="0" smtClean="0">
+                <a:solidFill>
+                  <a:schemeClr val="bg1"/>
+                </a:solidFill>
+                <a:latin typeface="Georgia" panose="02040502050405020303" pitchFamily="18" charset="0"/>
+              </a:rPr>
+              <a:t>JavaScript </a:t>
+            </a:r>
+            <a:r>
+              <a:rPr lang="en-US" sz="1650" dirty="0">
+                <a:solidFill>
+                  <a:schemeClr val="bg1"/>
+                </a:solidFill>
+                <a:latin typeface="Georgia" panose="02040502050405020303" pitchFamily="18" charset="0"/>
+              </a:rPr>
+              <a:t>objects </a:t>
+            </a:r>
+            <a:endParaRPr lang="en-US" sz="1650" dirty="0" smtClean="0">
+              <a:solidFill>
+                <a:schemeClr val="bg1"/>
+              </a:solidFill>
+              <a:latin typeface="Georgia" panose="02040502050405020303" pitchFamily="18" charset="0"/>
+            </a:endParaRPr>
+          </a:p>
+          <a:p>
+            <a:pPr marL="742950" lvl="1" indent="-285750">
+              <a:buFont typeface="Arial" panose="020B0604020202020204" pitchFamily="34" charset="0"/>
+              <a:buChar char="•"/>
+            </a:pPr>
+            <a:r>
+              <a:rPr lang="en-US" sz="1650" b="1" dirty="0" smtClean="0">
+                <a:solidFill>
+                  <a:schemeClr val="bg1"/>
+                </a:solidFill>
+                <a:latin typeface="Georgia" panose="02040502050405020303" pitchFamily="18" charset="0"/>
+              </a:rPr>
+              <a:t>ex</a:t>
+            </a:r>
+            <a:r>
+              <a:rPr lang="en-US" sz="1650" b="1" dirty="0">
+                <a:solidFill>
+                  <a:schemeClr val="bg1"/>
+                </a:solidFill>
+                <a:latin typeface="Georgia" panose="02040502050405020303" pitchFamily="18" charset="0"/>
+              </a:rPr>
+              <a:t>: math, </a:t>
+            </a:r>
+            <a:r>
+              <a:rPr lang="en-US" sz="1650" b="1" dirty="0" smtClean="0">
+                <a:solidFill>
+                  <a:schemeClr val="bg1"/>
+                </a:solidFill>
+                <a:latin typeface="Georgia" panose="02040502050405020303" pitchFamily="18" charset="0"/>
+              </a:rPr>
+              <a:t>transforms</a:t>
+            </a:r>
+          </a:p>
+          <a:p>
+            <a:pPr marL="742950" lvl="1" indent="-285750">
+              <a:buFont typeface="Arial" panose="020B0604020202020204" pitchFamily="34" charset="0"/>
+              <a:buChar char="•"/>
+            </a:pPr>
+            <a:endParaRPr lang="en-US" sz="1650" dirty="0">
+              <a:solidFill>
+                <a:schemeClr val="bg1"/>
+              </a:solidFill>
+              <a:latin typeface="Georgia" panose="02040502050405020303" pitchFamily="18" charset="0"/>
+            </a:endParaRPr>
+          </a:p>
+          <a:p>
+            <a:pPr marL="285750" indent="-285750">
+              <a:buFont typeface="Arial" panose="020B0604020202020204" pitchFamily="34" charset="0"/>
+              <a:buChar char="•"/>
+            </a:pPr>
+            <a:r>
+              <a:rPr lang="en-US" sz="1650" dirty="0">
+                <a:solidFill>
+                  <a:schemeClr val="bg1"/>
+                </a:solidFill>
+                <a:latin typeface="Georgia" panose="02040502050405020303" pitchFamily="18" charset="0"/>
+              </a:rPr>
+              <a:t>Shallow </a:t>
+            </a:r>
+            <a:r>
+              <a:rPr lang="en-US" sz="1650" dirty="0" smtClean="0">
+                <a:solidFill>
+                  <a:schemeClr val="bg1"/>
+                </a:solidFill>
+                <a:latin typeface="Georgia" panose="02040502050405020303" pitchFamily="18" charset="0"/>
+              </a:rPr>
+              <a:t>Tests</a:t>
+            </a:r>
+            <a:endParaRPr lang="en-US" sz="1650" dirty="0">
+              <a:solidFill>
+                <a:schemeClr val="bg1"/>
+              </a:solidFill>
+              <a:latin typeface="Georgia" panose="02040502050405020303" pitchFamily="18" charset="0"/>
+            </a:endParaRPr>
+          </a:p>
+          <a:p>
+            <a:pPr marL="742950" lvl="1" indent="-285750">
+              <a:buFont typeface="Arial" panose="020B0604020202020204" pitchFamily="34" charset="0"/>
+              <a:buChar char="•"/>
+            </a:pPr>
+            <a:r>
+              <a:rPr lang="en-US" sz="1650" dirty="0">
+                <a:solidFill>
+                  <a:schemeClr val="bg1"/>
+                </a:solidFill>
+                <a:latin typeface="Georgia" panose="02040502050405020303" pitchFamily="18" charset="0"/>
+              </a:rPr>
+              <a:t>Test at individual component </a:t>
+            </a:r>
+            <a:r>
+              <a:rPr lang="en-US" sz="1650" dirty="0" smtClean="0">
+                <a:solidFill>
+                  <a:schemeClr val="bg1"/>
+                </a:solidFill>
+                <a:latin typeface="Georgia" panose="02040502050405020303" pitchFamily="18" charset="0"/>
+              </a:rPr>
+              <a:t>level</a:t>
+            </a:r>
+          </a:p>
+          <a:p>
+            <a:pPr marL="742950" lvl="1" indent="-285750">
+              <a:buFont typeface="Arial" panose="020B0604020202020204" pitchFamily="34" charset="0"/>
+              <a:buChar char="•"/>
+            </a:pPr>
+            <a:r>
+              <a:rPr lang="en-US" sz="1650" dirty="0">
+                <a:solidFill>
+                  <a:schemeClr val="bg1"/>
+                </a:solidFill>
+                <a:latin typeface="Georgia" panose="02040502050405020303" pitchFamily="18" charset="0"/>
+              </a:rPr>
+              <a:t>Test local interactions without other component </a:t>
+            </a:r>
+            <a:r>
+              <a:rPr lang="en-US" sz="1650" dirty="0" smtClean="0">
+                <a:solidFill>
+                  <a:schemeClr val="bg1"/>
+                </a:solidFill>
+                <a:latin typeface="Georgia" panose="02040502050405020303" pitchFamily="18" charset="0"/>
+              </a:rPr>
+              <a:t>dependency</a:t>
+            </a:r>
+          </a:p>
+          <a:p>
+            <a:pPr marL="742950" lvl="1" indent="-285750">
+              <a:buFont typeface="Arial" panose="020B0604020202020204" pitchFamily="34" charset="0"/>
+              <a:buChar char="•"/>
+            </a:pPr>
+            <a:r>
+              <a:rPr lang="en-US" sz="1650" b="1" dirty="0">
+                <a:solidFill>
+                  <a:schemeClr val="bg1"/>
+                </a:solidFill>
+                <a:latin typeface="Georgia" panose="02040502050405020303" pitchFamily="18" charset="0"/>
+              </a:rPr>
+              <a:t>ex: event wiring, display </a:t>
+            </a:r>
+            <a:r>
+              <a:rPr lang="en-US" sz="1650" b="1" dirty="0" smtClean="0">
+                <a:solidFill>
+                  <a:schemeClr val="bg1"/>
+                </a:solidFill>
+                <a:latin typeface="Georgia" panose="02040502050405020303" pitchFamily="18" charset="0"/>
+              </a:rPr>
+              <a:t>logic</a:t>
+            </a:r>
+          </a:p>
+          <a:p>
+            <a:pPr marL="742950" lvl="1" indent="-285750">
+              <a:buFont typeface="Arial" panose="020B0604020202020204" pitchFamily="34" charset="0"/>
+              <a:buChar char="•"/>
+            </a:pPr>
+            <a:endParaRPr lang="en-US" sz="1650" dirty="0">
+              <a:solidFill>
+                <a:schemeClr val="bg1"/>
+              </a:solidFill>
+              <a:latin typeface="Georgia" panose="02040502050405020303" pitchFamily="18" charset="0"/>
+            </a:endParaRPr>
+          </a:p>
+          <a:p>
+            <a:pPr marL="285750" indent="-285750">
+              <a:buFont typeface="Arial" panose="020B0604020202020204" pitchFamily="34" charset="0"/>
+              <a:buChar char="•"/>
+            </a:pPr>
+            <a:r>
+              <a:rPr lang="en-US" sz="1650" dirty="0">
+                <a:solidFill>
+                  <a:schemeClr val="bg1"/>
+                </a:solidFill>
+                <a:latin typeface="Georgia" panose="02040502050405020303" pitchFamily="18" charset="0"/>
+              </a:rPr>
+              <a:t>Integration Tests </a:t>
+            </a:r>
+            <a:endParaRPr lang="en-US" sz="1650" dirty="0" smtClean="0">
+              <a:solidFill>
+                <a:schemeClr val="bg1"/>
+              </a:solidFill>
+              <a:latin typeface="Georgia" panose="02040502050405020303" pitchFamily="18" charset="0"/>
+            </a:endParaRPr>
+          </a:p>
+          <a:p>
+            <a:pPr marL="742950" lvl="1" indent="-285750">
+              <a:buFont typeface="Arial" panose="020B0604020202020204" pitchFamily="34" charset="0"/>
+              <a:buChar char="•"/>
+            </a:pPr>
+            <a:r>
+              <a:rPr lang="en-US" sz="1650" dirty="0">
+                <a:solidFill>
+                  <a:schemeClr val="bg1"/>
+                </a:solidFill>
+                <a:latin typeface="Georgia" panose="02040502050405020303" pitchFamily="18" charset="0"/>
+              </a:rPr>
+              <a:t>Test interactions among </a:t>
+            </a:r>
+            <a:r>
+              <a:rPr lang="en-US" sz="1650" dirty="0" smtClean="0">
+                <a:solidFill>
+                  <a:schemeClr val="bg1"/>
+                </a:solidFill>
+                <a:latin typeface="Georgia" panose="02040502050405020303" pitchFamily="18" charset="0"/>
+              </a:rPr>
+              <a:t>components</a:t>
+            </a:r>
+          </a:p>
+          <a:p>
+            <a:pPr marL="742950" lvl="1" indent="-285750">
+              <a:buFont typeface="Arial" panose="020B0604020202020204" pitchFamily="34" charset="0"/>
+              <a:buChar char="•"/>
+            </a:pPr>
+            <a:r>
+              <a:rPr lang="en-US" sz="1650" dirty="0" smtClean="0">
+                <a:solidFill>
+                  <a:schemeClr val="bg1"/>
+                </a:solidFill>
+                <a:latin typeface="Georgia" panose="02040502050405020303" pitchFamily="18" charset="0"/>
+              </a:rPr>
+              <a:t>multiple  </a:t>
+            </a:r>
+            <a:r>
+              <a:rPr lang="en-US" sz="1650" dirty="0">
+                <a:solidFill>
+                  <a:schemeClr val="bg1"/>
+                </a:solidFill>
+                <a:latin typeface="Georgia" panose="02040502050405020303" pitchFamily="18" charset="0"/>
+              </a:rPr>
+              <a:t>components are rendered</a:t>
+            </a:r>
+            <a:r>
+              <a:rPr lang="en-US" sz="1650" dirty="0" smtClean="0">
+                <a:solidFill>
+                  <a:schemeClr val="bg1"/>
+                </a:solidFill>
+                <a:latin typeface="Georgia" panose="02040502050405020303" pitchFamily="18" charset="0"/>
+              </a:rPr>
+              <a:t> </a:t>
+            </a:r>
+            <a:endParaRPr lang="en-US" sz="1650" dirty="0">
+              <a:solidFill>
+                <a:schemeClr val="bg1"/>
+              </a:solidFill>
+              <a:latin typeface="Georgia" panose="02040502050405020303" pitchFamily="18" charset="0"/>
+            </a:endParaRPr>
+          </a:p>
+          <a:p>
+            <a:pPr marL="742950" lvl="1" indent="-285750">
+              <a:buFont typeface="Arial" panose="020B0604020202020204" pitchFamily="34" charset="0"/>
+              <a:buChar char="•"/>
+            </a:pPr>
+            <a:r>
+              <a:rPr lang="en-US" sz="1650" b="1" dirty="0">
+                <a:solidFill>
+                  <a:schemeClr val="bg1"/>
+                </a:solidFill>
+                <a:latin typeface="Georgia" panose="02040502050405020303" pitchFamily="18" charset="0"/>
+              </a:rPr>
+              <a:t>ex: routing,  data communication, component interactions</a:t>
+            </a:r>
+          </a:p>
+          <a:p>
+            <a:pPr lvl="1"/>
+            <a:endParaRPr lang="en-US" sz="1650" dirty="0">
+              <a:solidFill>
+                <a:schemeClr val="bg1"/>
+              </a:solidFill>
+              <a:latin typeface="Georgia" panose="02040502050405020303" pitchFamily="18" charset="0"/>
+            </a:endParaRPr>
+          </a:p>
+        </p:txBody>
+      </p:sp>
+      <p:pic>
+        <p:nvPicPr>
+          <p:cNvPr id="7" name="Picture 6"/>
+          <p:cNvPicPr>
+            <a:picLocks noChangeAspect="1"/>
+          </p:cNvPicPr>
+          <p:nvPr/>
+        </p:nvPicPr>
+        <p:blipFill>
+          <a:blip r:embed="rId3"/>
+          <a:stretch>
+            <a:fillRect/>
+          </a:stretch>
+        </p:blipFill>
+        <p:spPr>
+          <a:xfrm>
+            <a:off x="7457007" y="1571449"/>
+            <a:ext cx="4284150" cy="3034665"/>
+          </a:xfrm>
+          <a:prstGeom prst="rect">
+            <a:avLst/>
+          </a:prstGeom>
+        </p:spPr>
+      </p:pic>
     </p:spTree>
     <p:extLst>
       <p:ext uri="{BB962C8B-B14F-4D97-AF65-F5344CB8AC3E}">
-        <p14:creationId xmlns:p14="http://schemas.microsoft.com/office/powerpoint/2010/main" val="3946880838"/>
+        <p14:creationId xmlns:p14="http://schemas.microsoft.com/office/powerpoint/2010/main" val="2800321460"/>
       </p:ext>
     </p:extLst>
   </p:cSld>
@@ -7200,97 +8037,7 @@
   <p:timing>
     <p:tnLst>
       <p:par>
-        <p:cTn xmlns:p14="http://schemas.microsoft.com/office/powerpoint/2010/main" id="1" dur="indefinite" restart="never" nodeType="tmRoot"/>
-      </p:par>
-    </p:tnLst>
-  </p:timing>
-</p:sld>
-</file>
-
-<file path=ppt/slides/slide9.xml><?xml version="1.0" encoding="utf-8"?>
-<p:sld xmlns:a="http://schemas.openxmlformats.org/drawingml/2006/main" xmlns:r="http://schemas.openxmlformats.org/officeDocument/2006/relationships" xmlns:p="http://schemas.openxmlformats.org/presentationml/2006/main">
-  <p:cSld>
-    <p:spTree>
-      <p:nvGrpSpPr>
-        <p:cNvPr id="1" name=""/>
-        <p:cNvGrpSpPr/>
-        <p:nvPr/>
-      </p:nvGrpSpPr>
-      <p:grpSpPr>
-        <a:xfrm>
-          <a:off x="0" y="0"/>
-          <a:ext cx="0" cy="0"/>
-          <a:chOff x="0" y="0"/>
-          <a:chExt cx="0" cy="0"/>
-        </a:xfrm>
-      </p:grpSpPr>
-      <p:sp>
-        <p:nvSpPr>
-          <p:cNvPr id="4" name="Title 3"/>
-          <p:cNvSpPr>
-            <a:spLocks noGrp="1"/>
-          </p:cNvSpPr>
-          <p:nvPr>
-            <p:ph type="title"/>
-          </p:nvPr>
-        </p:nvSpPr>
-        <p:spPr/>
-        <p:txBody>
-          <a:bodyPr/>
-          <a:lstStyle/>
-          <a:p>
-            <a:r>
-              <a:rPr lang="en-US" dirty="0"/>
-              <a:t>Metrics comparison of development time/effort/complexity – and richness of </a:t>
-            </a:r>
-            <a:r>
-              <a:rPr lang="en-US" dirty="0" smtClean="0"/>
-              <a:t>features  </a:t>
-            </a:r>
-            <a:br>
-              <a:rPr lang="en-US" dirty="0" smtClean="0"/>
-            </a:br>
-            <a:endParaRPr lang="en-US" dirty="0"/>
-          </a:p>
-        </p:txBody>
-      </p:sp>
-      <p:sp>
-        <p:nvSpPr>
-          <p:cNvPr id="5" name="Content Placeholder 4"/>
-          <p:cNvSpPr>
-            <a:spLocks noGrp="1"/>
-          </p:cNvSpPr>
-          <p:nvPr>
-            <p:ph idx="1"/>
-          </p:nvPr>
-        </p:nvSpPr>
-        <p:spPr/>
-        <p:txBody>
-          <a:bodyPr/>
-          <a:lstStyle/>
-          <a:p>
-            <a:pPr marL="285750" indent="-285750">
-              <a:buFont typeface="Arial" panose="020B0604020202020204" pitchFamily="34" charset="0"/>
-              <a:buChar char="•"/>
-            </a:pPr>
-            <a:endParaRPr lang="en-US" dirty="0"/>
-          </a:p>
-        </p:txBody>
-      </p:sp>
-    </p:spTree>
-    <p:extLst>
-      <p:ext uri="{BB962C8B-B14F-4D97-AF65-F5344CB8AC3E}">
-        <p14:creationId xmlns:p14="http://schemas.microsoft.com/office/powerpoint/2010/main" val="867932338"/>
-      </p:ext>
-    </p:extLst>
-  </p:cSld>
-  <p:clrMapOvr>
-    <a:masterClrMapping/>
-  </p:clrMapOvr>
-  <p:timing>
-    <p:tnLst>
-      <p:par>
-        <p:cTn xmlns:p14="http://schemas.microsoft.com/office/powerpoint/2010/main" id="1" dur="indefinite" restart="never" nodeType="tmRoot"/>
+        <p:cTn id="1" dur="indefinite" restart="never" nodeType="tmRoot"/>
       </p:par>
     </p:tnLst>
   </p:timing>
@@ -7492,7 +8239,7 @@
   <a:extraClrSchemeLst/>
   <a:extLst>
     <a:ext uri="{05A4C25C-085E-4340-85A3-A5531E510DB2}">
-      <thm15:themeFamily xmlns="" xmlns:thm15="http://schemas.microsoft.com/office/thememl/2012/main" name="Onscreen_widescreen_internal 080516.potx" id="{121A837F-13EB-4EEB-9CBF-68FF432138C7}" vid="{94EEF936-9075-4692-8DC5-567B13725D63}"/>
+      <thm15:themeFamily xmlns:thm15="http://schemas.microsoft.com/office/thememl/2012/main" name="Onscreen_widescreen_internal 080516.potx" id="{121A837F-13EB-4EEB-9CBF-68FF432138C7}" vid="{94EEF936-9075-4692-8DC5-567B13725D63}"/>
     </a:ext>
   </a:extLst>
 </a:theme>
@@ -7753,7 +8500,7 @@
   <a:extraClrSchemeLst/>
   <a:extLst>
     <a:ext uri="{05A4C25C-085E-4340-85A3-A5531E510DB2}">
-      <thm15:themeFamily xmlns="" xmlns:thm15="http://schemas.microsoft.com/office/thememl/2012/main" name="Office Theme" id="{62F939B6-93AF-4DB8-9C6B-D6C7DFDC589F}" vid="{4A3C46E8-61CC-4603-A589-7422A47A8E4A}"/>
+      <thm15:themeFamily xmlns:thm15="http://schemas.microsoft.com/office/thememl/2012/main" name="Office Theme" id="{62F939B6-93AF-4DB8-9C6B-D6C7DFDC589F}" vid="{4A3C46E8-61CC-4603-A589-7422A47A8E4A}"/>
     </a:ext>
   </a:extLst>
 </a:theme>
@@ -8014,8 +8761,51 @@
   <a:extraClrSchemeLst/>
   <a:extLst>
     <a:ext uri="{05A4C25C-085E-4340-85A3-A5531E510DB2}">
-      <thm15:themeFamily xmlns="" xmlns:thm15="http://schemas.microsoft.com/office/thememl/2012/main" name="Office Theme" id="{62F939B6-93AF-4DB8-9C6B-D6C7DFDC589F}" vid="{4A3C46E8-61CC-4603-A589-7422A47A8E4A}"/>
+      <thm15:themeFamily xmlns:thm15="http://schemas.microsoft.com/office/thememl/2012/main" name="Office Theme" id="{62F939B6-93AF-4DB8-9C6B-D6C7DFDC589F}" vid="{4A3C46E8-61CC-4603-A589-7422A47A8E4A}"/>
     </a:ext>
   </a:extLst>
 </a:theme>
+</file>
+
+<file path=ppt/theme/themeOverride1.xml><?xml version="1.0" encoding="utf-8"?>
+<a:themeOverride xmlns:a="http://schemas.openxmlformats.org/drawingml/2006/main">
+  <a:clrScheme name="Fannie Mae PPT colors">
+    <a:dk1>
+      <a:sysClr val="windowText" lastClr="000000"/>
+    </a:dk1>
+    <a:lt1>
+      <a:sysClr val="window" lastClr="FFFFFF"/>
+    </a:lt1>
+    <a:dk2>
+      <a:srgbClr val="000F2B"/>
+    </a:dk2>
+    <a:lt2>
+      <a:srgbClr val="D9D7DC"/>
+    </a:lt2>
+    <a:accent1>
+      <a:srgbClr val="216C2B"/>
+    </a:accent1>
+    <a:accent2>
+      <a:srgbClr val="007697"/>
+    </a:accent2>
+    <a:accent3>
+      <a:srgbClr val="99660F"/>
+    </a:accent3>
+    <a:accent4>
+      <a:srgbClr val="C55147"/>
+    </a:accent4>
+    <a:accent5>
+      <a:srgbClr val="574A71"/>
+    </a:accent5>
+    <a:accent6>
+      <a:srgbClr val="C0540F"/>
+    </a:accent6>
+    <a:hlink>
+      <a:srgbClr val="0563C1"/>
+    </a:hlink>
+    <a:folHlink>
+      <a:srgbClr val="954F72"/>
+    </a:folHlink>
+  </a:clrScheme>
+</a:themeOverride>
 </file>
--- a/Adopting Angular2 as an accelerator for new UI development  an LDNG journey - Suri.pptx
+++ b/Adopting Angular2 as an accelerator for new UI development  an LDNG journey - Suri.pptx
@@ -125,7 +125,7 @@
   </p:defaultTextStyle>
   <p:extLst>
     <p:ext uri="{EFAFB233-063F-42B5-8137-9DF3F51BA10A}">
-      <p15:sldGuideLst xmlns:p15="http://schemas.microsoft.com/office/powerpoint/2012/main">
+      <p15:sldGuideLst xmlns:p15="http://schemas.microsoft.com/office/powerpoint/2012/main" xmlns="">
         <p15:guide id="1" orient="horz" pos="2160">
           <p15:clr>
             <a:srgbClr val="A4A3A4"/>
@@ -139,7 +139,7 @@
       </p15:sldGuideLst>
     </p:ext>
     <p:ext uri="{2D200454-40CA-4A62-9FC3-DE9A4176ACB9}">
-      <p15:notesGuideLst xmlns:p15="http://schemas.microsoft.com/office/powerpoint/2012/main">
+      <p15:notesGuideLst xmlns:p15="http://schemas.microsoft.com/office/powerpoint/2012/main" xmlns="">
         <p15:guide id="1" orient="horz" pos="2880">
           <p15:clr>
             <a:srgbClr val="A4A3A4"/>
@@ -363,11 +363,11 @@
         </c:dLbls>
         <c:gapWidth val="100"/>
         <c:overlap val="-24"/>
-        <c:axId val="319952104"/>
-        <c:axId val="319945440"/>
+        <c:axId val="-2127060184"/>
+        <c:axId val="-2127056600"/>
       </c:barChart>
       <c:catAx>
-        <c:axId val="319952104"/>
+        <c:axId val="-2127060184"/>
         <c:scaling>
           <c:orientation val="minMax"/>
         </c:scaling>
@@ -409,7 +409,7 @@
             <a:endParaRPr lang="en-US"/>
           </a:p>
         </c:txPr>
-        <c:crossAx val="319945440"/>
+        <c:crossAx val="-2127056600"/>
         <c:crosses val="autoZero"/>
         <c:auto val="1"/>
         <c:lblAlgn val="ctr"/>
@@ -417,10 +417,10 @@
         <c:noMultiLvlLbl val="0"/>
       </c:catAx>
       <c:valAx>
-        <c:axId val="319945440"/>
+        <c:axId val="-2127056600"/>
         <c:scaling>
           <c:orientation val="minMax"/>
-          <c:min val="0"/>
+          <c:min val="0.0"/>
         </c:scaling>
         <c:delete val="0"/>
         <c:axPos val="l"/>
@@ -468,7 +468,7 @@
             <a:endParaRPr lang="en-US"/>
           </a:p>
         </c:txPr>
-        <c:crossAx val="319952104"/>
+        <c:crossAx val="-2127060184"/>
         <c:crosses val="autoZero"/>
         <c:crossBetween val="between"/>
       </c:valAx>
@@ -520,7 +520,7 @@
       <a:endParaRPr lang="en-US"/>
     </a:p>
   </c:txPr>
-  <c:externalData r:id="rId3">
+  <c:externalData r:id="rId1">
     <c:autoUpdate val="0"/>
   </c:externalData>
 </c:chartSpace>
@@ -2562,7 +2562,7 @@
                 <a:tabLst/>
                 <a:defRPr/>
               </a:pPr>
-              <a:t>4/19/2017</a:t>
+              <a:t>4/19/17</a:t>
             </a:fld>
             <a:endParaRPr lang="en-US" altLang="en-US" sz="900" dirty="0" smtClean="0">
               <a:solidFill>
@@ -2872,7 +2872,7 @@
                 <a:tabLst/>
                 <a:defRPr/>
               </a:pPr>
-              <a:t>4/19/2017</a:t>
+              <a:t>4/19/17</a:t>
             </a:fld>
             <a:endParaRPr lang="en-US" altLang="en-US" sz="900" dirty="0" smtClean="0">
               <a:solidFill>
@@ -3287,7 +3287,7 @@
                 <a:tabLst/>
                 <a:defRPr/>
               </a:pPr>
-              <a:t>4/19/2017</a:t>
+              <a:t>4/19/17</a:t>
             </a:fld>
             <a:endParaRPr lang="en-US" altLang="en-US" sz="900" dirty="0" smtClean="0">
               <a:solidFill>
@@ -3713,7 +3713,7 @@
                 <a:tabLst/>
                 <a:defRPr/>
               </a:pPr>
-              <a:t>4/19/2017</a:t>
+              <a:t>4/19/17</a:t>
             </a:fld>
             <a:endParaRPr lang="en-US" altLang="en-US" sz="900" dirty="0" smtClean="0">
               <a:solidFill>
@@ -3879,7 +3879,7 @@
                 <a:tabLst/>
                 <a:defRPr/>
               </a:pPr>
-              <a:t>4/19/2017</a:t>
+              <a:t>4/19/17</a:t>
             </a:fld>
             <a:endParaRPr lang="en-US" altLang="en-US" sz="900" dirty="0" smtClean="0">
               <a:solidFill>
@@ -4464,7 +4464,7 @@
   <p:timing>
     <p:tnLst>
       <p:par>
-        <p:cTn id="1" dur="indefinite" restart="never" nodeType="tmRoot"/>
+        <p:cTn xmlns:p14="http://schemas.microsoft.com/office/powerpoint/2010/main" id="1" dur="indefinite" restart="never" nodeType="tmRoot"/>
       </p:par>
     </p:tnLst>
   </p:timing>
@@ -4554,7 +4554,7 @@
   <p:timing>
     <p:tnLst>
       <p:par>
-        <p:cTn id="1" dur="indefinite" restart="never" nodeType="tmRoot"/>
+        <p:cTn xmlns:p14="http://schemas.microsoft.com/office/powerpoint/2010/main" id="1" dur="indefinite" restart="never" nodeType="tmRoot"/>
       </p:par>
     </p:tnLst>
   </p:timing>
@@ -4637,7 +4637,7 @@
   <p:timing>
     <p:tnLst>
       <p:par>
-        <p:cTn id="1" dur="indefinite" restart="never" nodeType="tmRoot"/>
+        <p:cTn xmlns:p14="http://schemas.microsoft.com/office/powerpoint/2010/main" id="1" dur="indefinite" restart="never" nodeType="tmRoot"/>
       </p:par>
     </p:tnLst>
   </p:timing>
@@ -4720,7 +4720,7 @@
   <p:timing>
     <p:tnLst>
       <p:par>
-        <p:cTn id="1" dur="indefinite" restart="never" nodeType="tmRoot"/>
+        <p:cTn xmlns:p14="http://schemas.microsoft.com/office/powerpoint/2010/main" id="1" dur="indefinite" restart="never" nodeType="tmRoot"/>
       </p:par>
     </p:tnLst>
   </p:timing>
@@ -4780,7 +4780,7 @@
   <p:timing>
     <p:tnLst>
       <p:par>
-        <p:cTn id="1" dur="indefinite" restart="never" nodeType="tmRoot"/>
+        <p:cTn xmlns:p14="http://schemas.microsoft.com/office/powerpoint/2010/main" id="1" dur="indefinite" restart="never" nodeType="tmRoot"/>
       </p:par>
     </p:tnLst>
   </p:timing>
@@ -5016,6 +5016,13 @@
   <p:clrMapOvr>
     <a:masterClrMapping/>
   </p:clrMapOvr>
+  <p:timing>
+    <p:tnLst>
+      <p:par>
+        <p:cTn xmlns:p14="http://schemas.microsoft.com/office/powerpoint/2010/main" id="1" dur="indefinite" restart="never" nodeType="tmRoot"/>
+      </p:par>
+    </p:tnLst>
+  </p:timing>
 </p:sld>
 </file>
 
@@ -5216,7 +5223,7 @@
   <p:timing>
     <p:tnLst>
       <p:par>
-        <p:cTn id="1" dur="indefinite" restart="never" nodeType="tmRoot"/>
+        <p:cTn xmlns:p14="http://schemas.microsoft.com/office/powerpoint/2010/main" id="1" dur="indefinite" restart="never" nodeType="tmRoot"/>
       </p:par>
     </p:tnLst>
   </p:timing>
@@ -5257,22 +5264,11 @@
           <a:p>
             <a:r>
               <a:rPr lang="en-US" dirty="0" smtClean="0"/>
-              <a:t>LDNG UI is a JavaScript Single Page Application</a:t>
-            </a:r>
-            <a:br>
+              <a:t>LDNG UI is a JavaScript Single Page </a:t>
+            </a:r>
+            <a:r>
               <a:rPr lang="en-US" dirty="0" smtClean="0"/>
-            </a:br>
-            <a:r>
-              <a:rPr lang="en-US" dirty="0" smtClean="0"/>
-              <a:t> </a:t>
-            </a:r>
-            <a:r>
-              <a:rPr lang="en-US" dirty="0" smtClean="0">
-                <a:solidFill>
-                  <a:srgbClr val="FFFF00"/>
-                </a:solidFill>
-              </a:rPr>
-              <a:t>(Do we need this slide?)</a:t>
+              <a:t>Application</a:t>
             </a:r>
             <a:endParaRPr lang="en-US" dirty="0">
               <a:solidFill>
@@ -5284,46 +5280,22 @@
       </p:sp>
       <p:pic>
         <p:nvPicPr>
-          <p:cNvPr id="5" name="Picture 2" descr="https://i-msdn.sec.s-msft.com/dynimg/IC690875.png"/>
+          <p:cNvPr id="8" name="Table Placeholder 7"/>
           <p:cNvPicPr>
-            <a:picLocks noGrp="1" noChangeAspect="1" noChangeArrowheads="1"/>
+            <a:picLocks noGrp="1" noChangeAspect="1"/>
           </p:cNvPicPr>
           <p:nvPr>
             <p:ph type="tbl" sz="quarter" idx="10"/>
           </p:nvPr>
         </p:nvPicPr>
         <p:blipFill>
-          <a:blip r:embed="rId2">
-            <a:extLst>
-              <a:ext uri="{28A0092B-C50C-407E-A947-70E740481C1C}">
-                <a14:useLocalDpi xmlns:a14="http://schemas.microsoft.com/office/drawing/2010/main" val="0"/>
-              </a:ext>
-            </a:extLst>
-          </a:blip>
-          <a:srcRect/>
+          <a:blip r:embed="rId2"/>
+          <a:srcRect l="-91435" r="-91435"/>
           <a:stretch>
             <a:fillRect/>
           </a:stretch>
         </p:blipFill>
-        <p:spPr bwMode="auto">
-          <a:xfrm>
-            <a:off x="4095528" y="1809750"/>
-            <a:ext cx="4080318" cy="4518025"/>
-          </a:xfrm>
-          <a:prstGeom prst="rect">
-            <a:avLst/>
-          </a:prstGeom>
-          <a:noFill/>
-          <a:extLst>
-            <a:ext uri="{909E8E84-426E-40dd-AFC4-6F175D3DCCD1}">
-              <a14:hiddenFill xmlns:a14="http://schemas.microsoft.com/office/drawing/2010/main" xmlns="">
-                <a:solidFill>
-                  <a:srgbClr val="FFFFFF"/>
-                </a:solidFill>
-              </a14:hiddenFill>
-            </a:ext>
-          </a:extLst>
-        </p:spPr>
+        <p:spPr/>
       </p:pic>
     </p:spTree>
     <p:extLst>
@@ -5338,7 +5310,7 @@
   <p:timing>
     <p:tnLst>
       <p:par>
-        <p:cTn id="1" dur="indefinite" restart="never" nodeType="tmRoot"/>
+        <p:cTn xmlns:p14="http://schemas.microsoft.com/office/powerpoint/2010/main" id="1" dur="indefinite" restart="never" nodeType="tmRoot"/>
       </p:par>
     </p:tnLst>
   </p:timing>
@@ -5432,12 +5404,13 @@
             </a:r>
             <a:r>
               <a:rPr lang="en-US" dirty="0" smtClean="0"/>
-              <a:t>lenders</a:t>
+              <a:t>lenders, ranging from small to </a:t>
             </a:r>
             <a:r>
               <a:rPr lang="en-US" dirty="0" smtClean="0"/>
-              <a:t>, ranging from small to large.</a:t>
-            </a:r>
+              <a:t>large</a:t>
+            </a:r>
+            <a:endParaRPr lang="en-US" dirty="0" smtClean="0"/>
           </a:p>
           <a:p>
             <a:pPr marL="742950" lvl="1" indent="-285750">
@@ -5446,11 +5419,7 @@
             </a:pPr>
             <a:r>
               <a:rPr lang="en-US" dirty="0" smtClean="0"/>
-              <a:t>Many lenders </a:t>
-            </a:r>
-            <a:r>
-              <a:rPr lang="en-US" dirty="0" smtClean="0"/>
-              <a:t>use the UI exclusively to add loans and deliver </a:t>
+              <a:t>Many lenders use the UI exclusively to add loans and deliver </a:t>
             </a:r>
           </a:p>
           <a:p>
@@ -5500,12 +5469,16 @@
               <a:buChar char="•"/>
             </a:pPr>
             <a:r>
+              <a:rPr lang="en-US" dirty="0" smtClean="0"/>
+              <a:t>Built w</a:t>
+            </a:r>
+            <a:r>
+              <a:rPr lang="en-US" dirty="0" smtClean="0"/>
+              <a:t>ith </a:t>
+            </a:r>
+            <a:r>
               <a:rPr lang="en-US" i="1" dirty="0"/>
-              <a:t>Single Page Application </a:t>
-            </a:r>
-            <a:r>
-              <a:rPr lang="en-US" dirty="0"/>
-              <a:t>built with Backbone JS and Marionette JS</a:t>
+              <a:t>Backbone JS and Marionette JS</a:t>
             </a:r>
           </a:p>
           <a:p>
@@ -5600,7 +5573,7 @@
         </p:blipFill>
         <p:spPr>
           <a:xfrm>
-            <a:off x="9623833" y="3160768"/>
+            <a:off x="9350694" y="4444305"/>
             <a:ext cx="2009960" cy="1239475"/>
           </a:xfrm>
           <a:prstGeom prst="rect">
@@ -5621,7 +5594,7 @@
   <p:timing>
     <p:tnLst>
       <p:par>
-        <p:cTn id="1" dur="indefinite" restart="never" nodeType="tmRoot"/>
+        <p:cTn xmlns:p14="http://schemas.microsoft.com/office/powerpoint/2010/main" id="1" dur="indefinite" restart="never" nodeType="tmRoot"/>
       </p:par>
     </p:tnLst>
   </p:timing>
@@ -5708,12 +5681,12 @@
               <a:t>Developers with </a:t>
             </a:r>
             <a:r>
-              <a:rPr lang="en-US" b="1" i="1" dirty="0" smtClean="0"/>
-              <a:t>Backbone JS</a:t>
+              <a:rPr lang="en-US" dirty="0"/>
+              <a:t>Backbone JS </a:t>
             </a:r>
             <a:r>
               <a:rPr lang="en-US" dirty="0" smtClean="0"/>
-              <a:t> experience became increasingly scarce in the market</a:t>
+              <a:t>experience became increasingly scarce in the market</a:t>
             </a:r>
           </a:p>
           <a:p>
@@ -5736,12 +5709,12 @@
               <a:t>Out of 120+ candidates screened, less than 5 had </a:t>
             </a:r>
             <a:r>
-              <a:rPr lang="en-US" b="1" i="1" dirty="0" smtClean="0"/>
-              <a:t>Backbone JS</a:t>
+              <a:rPr lang="en-US" dirty="0"/>
+              <a:t>Backbone JS </a:t>
             </a:r>
             <a:r>
               <a:rPr lang="en-US" dirty="0" smtClean="0"/>
-              <a:t> listed on their resumes</a:t>
+              <a:t>listed on their resumes</a:t>
             </a:r>
           </a:p>
           <a:p>
@@ -5828,7 +5801,7 @@
   <p:timing>
     <p:tnLst>
       <p:par>
-        <p:cTn id="1" dur="indefinite" restart="never" nodeType="tmRoot"/>
+        <p:cTn xmlns:p14="http://schemas.microsoft.com/office/powerpoint/2010/main" id="1" dur="indefinite" restart="never" nodeType="tmRoot"/>
       </p:par>
     </p:tnLst>
   </p:timing>
@@ -6038,7 +6011,7 @@
         </p:nvGraphicFramePr>
         <p:xfrm>
           <a:off x="376090" y="1476402"/>
-          <a:ext cx="11485710" cy="5943600"/>
+          <a:ext cx="11485710" cy="5943598"/>
         </p:xfrm>
         <a:graphic>
           <a:graphicData uri="http://schemas.openxmlformats.org/drawingml/2006/table">
@@ -6703,7 +6676,7 @@
           <a:noFill/>
           <a:extLst>
             <a:ext uri="{909E8E84-426E-40dd-AFC4-6F175D3DCCD1}">
-              <a14:hiddenFill xmlns:a14="http://schemas.microsoft.com/office/drawing/2010/main" xmlns="">
+              <a14:hiddenFill xmlns:a14="http://schemas.microsoft.com/office/drawing/2010/main">
                 <a:solidFill>
                   <a:srgbClr val="FFFFFF"/>
                 </a:solidFill>
@@ -6749,7 +6722,7 @@
   <p:timing>
     <p:tnLst>
       <p:par>
-        <p:cTn id="1" dur="indefinite" restart="never" nodeType="tmRoot"/>
+        <p:cTn xmlns:p14="http://schemas.microsoft.com/office/powerpoint/2010/main" id="1" dur="indefinite" restart="never" nodeType="tmRoot"/>
       </p:par>
     </p:tnLst>
   </p:timing>
@@ -6852,11 +6825,7 @@
             </a:pPr>
             <a:r>
               <a:rPr lang="en-US" dirty="0" smtClean="0"/>
-              <a:t>Switched to IntelliJ, which has great Angular </a:t>
-            </a:r>
-            <a:r>
-              <a:rPr lang="en-US" dirty="0" smtClean="0"/>
-              <a:t>support. Visual Studio Code also has Angular support.</a:t>
+              <a:t>Switched to IntelliJ, which has great Angular support. Visual Studio Code also has Angular support.</a:t>
             </a:r>
             <a:endParaRPr lang="en-US" dirty="0"/>
           </a:p>
@@ -6892,39 +6861,18 @@
             </a:r>
             <a:r>
               <a:rPr lang="en-US" dirty="0" smtClean="0"/>
-              <a:t> and </a:t>
-            </a:r>
+              <a:t> and Early Funding) will be developed with Angular 2, with the same Look and Feel</a:t>
+            </a:r>
+          </a:p>
+          <a:p>
+            <a:pPr marL="742950" lvl="1" indent="-285750">
+              <a:buFont typeface="Arial" panose="020B0604020202020204" pitchFamily="34" charset="0"/>
+              <a:buChar char="•"/>
+            </a:pPr>
             <a:r>
               <a:rPr lang="en-US" dirty="0" smtClean="0"/>
-              <a:t>Early Funding) </a:t>
-            </a:r>
-            <a:r>
-              <a:rPr lang="en-US" dirty="0" smtClean="0"/>
-              <a:t>will be developed with Angular 2, with the same Look and Feel</a:t>
-            </a:r>
-          </a:p>
-          <a:p>
-            <a:pPr marL="742950" lvl="1" indent="-285750">
-              <a:buFont typeface="Arial" panose="020B0604020202020204" pitchFamily="34" charset="0"/>
-              <a:buChar char="•"/>
-            </a:pPr>
-            <a:r>
-              <a:rPr lang="en-US" dirty="0" smtClean="0"/>
-              <a:t>Started with 1 Scrum </a:t>
-            </a:r>
-            <a:r>
-              <a:rPr lang="en-US" dirty="0" smtClean="0"/>
-              <a:t>team and 2 other </a:t>
-            </a:r>
-            <a:r>
-              <a:rPr lang="en-US" dirty="0" smtClean="0"/>
-              <a:t>teams </a:t>
-            </a:r>
-            <a:r>
-              <a:rPr lang="en-US" dirty="0" smtClean="0"/>
-              <a:t>started very next Sprint.</a:t>
-            </a:r>
-            <a:endParaRPr lang="en-US" dirty="0" smtClean="0"/>
+              <a:t>Started with 1 Scrum team and 2 other teams started very next Sprint.</a:t>
+            </a:r>
           </a:p>
           <a:p>
             <a:pPr marL="742950" lvl="1" indent="-285750">
@@ -6937,8 +6885,9 @@
             </a:r>
             <a:r>
               <a:rPr lang="en-US" dirty="0" smtClean="0"/>
-              <a:t>.</a:t>
-            </a:r>
+              <a:t>. Almost everyone went through Angular training.</a:t>
+            </a:r>
+            <a:endParaRPr lang="en-US" dirty="0" smtClean="0"/>
           </a:p>
           <a:p>
             <a:pPr marL="742950" lvl="1" indent="-285750">
@@ -6965,7 +6914,6 @@
               <a:rPr lang="en-US" dirty="0" smtClean="0"/>
               <a:t>Current State </a:t>
             </a:r>
-            <a:endParaRPr lang="en-US" dirty="0" smtClean="0"/>
           </a:p>
           <a:p>
             <a:pPr marL="742950" lvl="1" indent="-285750">
@@ -7002,7 +6950,6 @@
               <a:rPr lang="en-US" dirty="0" smtClean="0"/>
               <a:t>All teams working on Angular </a:t>
             </a:r>
-            <a:endParaRPr lang="en-US" dirty="0" smtClean="0"/>
           </a:p>
           <a:p>
             <a:pPr marL="285750" indent="-285750">
@@ -7099,7 +7046,7 @@
   <p:timing>
     <p:tnLst>
       <p:par>
-        <p:cTn id="1" dur="indefinite" restart="never" nodeType="tmRoot"/>
+        <p:cTn xmlns:p14="http://schemas.microsoft.com/office/powerpoint/2010/main" id="1" dur="indefinite" restart="never" nodeType="tmRoot"/>
       </p:par>
     </p:tnLst>
   </p:timing>
@@ -7557,7 +7504,7 @@
   <p:timing>
     <p:tnLst>
       <p:par>
-        <p:cTn id="1" dur="indefinite" restart="never" nodeType="tmRoot"/>
+        <p:cTn xmlns:p14="http://schemas.microsoft.com/office/powerpoint/2010/main" id="1" dur="indefinite" restart="never" nodeType="tmRoot"/>
       </p:par>
     </p:tnLst>
   </p:timing>
@@ -8037,7 +7984,7 @@
   <p:timing>
     <p:tnLst>
       <p:par>
-        <p:cTn id="1" dur="indefinite" restart="never" nodeType="tmRoot"/>
+        <p:cTn xmlns:p14="http://schemas.microsoft.com/office/powerpoint/2010/main" id="1" dur="indefinite" restart="never" nodeType="tmRoot"/>
       </p:par>
     </p:tnLst>
   </p:timing>
@@ -8239,7 +8186,7 @@
   <a:extraClrSchemeLst/>
   <a:extLst>
     <a:ext uri="{05A4C25C-085E-4340-85A3-A5531E510DB2}">
-      <thm15:themeFamily xmlns:thm15="http://schemas.microsoft.com/office/thememl/2012/main" name="Onscreen_widescreen_internal 080516.potx" id="{121A837F-13EB-4EEB-9CBF-68FF432138C7}" vid="{94EEF936-9075-4692-8DC5-567B13725D63}"/>
+      <thm15:themeFamily xmlns:thm15="http://schemas.microsoft.com/office/thememl/2012/main" xmlns="" name="Onscreen_widescreen_internal 080516.potx" id="{121A837F-13EB-4EEB-9CBF-68FF432138C7}" vid="{94EEF936-9075-4692-8DC5-567B13725D63}"/>
     </a:ext>
   </a:extLst>
 </a:theme>
@@ -8500,7 +8447,7 @@
   <a:extraClrSchemeLst/>
   <a:extLst>
     <a:ext uri="{05A4C25C-085E-4340-85A3-A5531E510DB2}">
-      <thm15:themeFamily xmlns:thm15="http://schemas.microsoft.com/office/thememl/2012/main" name="Office Theme" id="{62F939B6-93AF-4DB8-9C6B-D6C7DFDC589F}" vid="{4A3C46E8-61CC-4603-A589-7422A47A8E4A}"/>
+      <thm15:themeFamily xmlns:thm15="http://schemas.microsoft.com/office/thememl/2012/main" xmlns="" name="Office Theme" id="{62F939B6-93AF-4DB8-9C6B-D6C7DFDC589F}" vid="{4A3C46E8-61CC-4603-A589-7422A47A8E4A}"/>
     </a:ext>
   </a:extLst>
 </a:theme>
@@ -8761,7 +8708,7 @@
   <a:extraClrSchemeLst/>
   <a:extLst>
     <a:ext uri="{05A4C25C-085E-4340-85A3-A5531E510DB2}">
-      <thm15:themeFamily xmlns:thm15="http://schemas.microsoft.com/office/thememl/2012/main" name="Office Theme" id="{62F939B6-93AF-4DB8-9C6B-D6C7DFDC589F}" vid="{4A3C46E8-61CC-4603-A589-7422A47A8E4A}"/>
+      <thm15:themeFamily xmlns:thm15="http://schemas.microsoft.com/office/thememl/2012/main" xmlns="" name="Office Theme" id="{62F939B6-93AF-4DB8-9C6B-D6C7DFDC589F}" vid="{4A3C46E8-61CC-4603-A589-7422A47A8E4A}"/>
     </a:ext>
   </a:extLst>
 </a:theme>
